--- a/slidesAndImages/Introduction.pptx
+++ b/slidesAndImages/Introduction.pptx
@@ -8203,318 +8203,82 @@
             <p:ph type="title"/>
           </p:nvPr>
         </p:nvSpPr>
-        <p:spPr/>
-        <p:txBody>
-          <a:bodyPr/>
-          <a:lstStyle/>
-          <a:p>
-            <a:r>
-              <a:rPr lang="en-US" dirty="0" err="1" smtClean="0"/>
-              <a:t>Flavours</a:t>
-            </a:r>
-            <a:r>
-              <a:rPr lang="en-US" dirty="0" smtClean="0"/>
-              <a:t> of Redux for Angular</a:t>
-            </a:r>
-            <a:endParaRPr lang="en-US" dirty="0"/>
-          </a:p>
-        </p:txBody>
-      </p:sp>
-      <p:sp>
-        <p:nvSpPr>
-          <p:cNvPr id="3" name="Rectangle 2"/>
-          <p:cNvSpPr>
-            <a:spLocks noGrp="1"/>
-          </p:cNvSpPr>
-          <p:nvPr>
-            <p:ph idx="1"/>
-          </p:nvPr>
-        </p:nvSpPr>
-        <p:spPr/>
-        <p:txBody>
-          <a:bodyPr/>
-          <a:lstStyle/>
-          <a:p>
-            <a:endParaRPr lang="en-US" dirty="0"/>
-          </a:p>
-        </p:txBody>
-      </p:sp>
-    </p:spTree>
-    <p:extLst>
-      <p:ext uri="{BB962C8B-B14F-4D97-AF65-F5344CB8AC3E}">
-        <p14:creationId xmlns:p14="http://schemas.microsoft.com/office/powerpoint/2010/main" val="130527409"/>
-      </p:ext>
-    </p:extLst>
-  </p:cSld>
-  <p:clrMapOvr>
-    <a:masterClrMapping/>
-  </p:clrMapOvr>
-  <p:timing>
-    <p:tnLst>
-      <p:par>
-        <p:cTn id="1" dur="indefinite" restart="never" nodeType="tmRoot"/>
-      </p:par>
-    </p:tnLst>
-  </p:timing>
-</p:sld>
-</file>
-
-<file path=ppt/slides/slide12.xml><?xml version="1.0" encoding="utf-8"?>
-<p:sld xmlns:a="http://schemas.openxmlformats.org/drawingml/2006/main" xmlns:r="http://schemas.openxmlformats.org/officeDocument/2006/relationships" xmlns:p="http://schemas.openxmlformats.org/presentationml/2006/main">
-  <p:cSld>
-    <p:spTree>
-      <p:nvGrpSpPr>
-        <p:cNvPr id="1" name=""/>
-        <p:cNvGrpSpPr/>
-        <p:nvPr/>
-      </p:nvGrpSpPr>
-      <p:grpSpPr>
-        <a:xfrm>
-          <a:off x="0" y="0"/>
-          <a:ext cx="0" cy="0"/>
-          <a:chOff x="0" y="0"/>
-          <a:chExt cx="0" cy="0"/>
-        </a:xfrm>
-      </p:grpSpPr>
-      <p:sp>
-        <p:nvSpPr>
-          <p:cNvPr id="2" name="Rectangle 1"/>
-          <p:cNvSpPr>
-            <a:spLocks noGrp="1"/>
-          </p:cNvSpPr>
-          <p:nvPr>
-            <p:ph type="title"/>
-          </p:nvPr>
-        </p:nvSpPr>
-        <p:spPr/>
-        <p:txBody>
-          <a:bodyPr/>
-          <a:lstStyle/>
-          <a:p>
-            <a:r>
-              <a:rPr lang="en-US" dirty="0" smtClean="0"/>
-              <a:t>Redux Dependencies for Angular</a:t>
-            </a:r>
-            <a:endParaRPr lang="en-US" dirty="0"/>
-          </a:p>
-        </p:txBody>
-      </p:sp>
-      <p:sp>
-        <p:nvSpPr>
-          <p:cNvPr id="3" name="Rectangle 2"/>
-          <p:cNvSpPr>
-            <a:spLocks noGrp="1"/>
-          </p:cNvSpPr>
-          <p:nvPr>
-            <p:ph idx="1"/>
-          </p:nvPr>
-        </p:nvSpPr>
-        <p:spPr/>
-        <p:txBody>
-          <a:bodyPr/>
-          <a:lstStyle/>
-          <a:p>
-            <a:endParaRPr lang="en-US" dirty="0"/>
-          </a:p>
-        </p:txBody>
-      </p:sp>
-    </p:spTree>
-    <p:extLst>
-      <p:ext uri="{BB962C8B-B14F-4D97-AF65-F5344CB8AC3E}">
-        <p14:creationId xmlns:p14="http://schemas.microsoft.com/office/powerpoint/2010/main" val="2754960409"/>
-      </p:ext>
-    </p:extLst>
-  </p:cSld>
-  <p:clrMapOvr>
-    <a:masterClrMapping/>
-  </p:clrMapOvr>
-  <p:timing>
-    <p:tnLst>
-      <p:par>
-        <p:cTn id="1" dur="indefinite" restart="never" nodeType="tmRoot"/>
-      </p:par>
-    </p:tnLst>
-  </p:timing>
-</p:sld>
-</file>
-
-<file path=ppt/slides/slide2.xml><?xml version="1.0" encoding="utf-8"?>
-<p:sld xmlns:a="http://schemas.openxmlformats.org/drawingml/2006/main" xmlns:r="http://schemas.openxmlformats.org/officeDocument/2006/relationships" xmlns:p="http://schemas.openxmlformats.org/presentationml/2006/main">
-  <p:cSld>
-    <p:spTree>
-      <p:nvGrpSpPr>
-        <p:cNvPr id="1" name=""/>
-        <p:cNvGrpSpPr/>
-        <p:nvPr/>
-      </p:nvGrpSpPr>
-      <p:grpSpPr>
-        <a:xfrm>
-          <a:off x="0" y="0"/>
-          <a:ext cx="0" cy="0"/>
-          <a:chOff x="0" y="0"/>
-          <a:chExt cx="0" cy="0"/>
-        </a:xfrm>
-      </p:grpSpPr>
-      <p:sp>
-        <p:nvSpPr>
-          <p:cNvPr id="2" name="Rectangle 1"/>
-          <p:cNvSpPr>
-            <a:spLocks noGrp="1"/>
-          </p:cNvSpPr>
-          <p:nvPr>
-            <p:ph type="title"/>
-          </p:nvPr>
-        </p:nvSpPr>
-        <p:spPr/>
-        <p:txBody>
-          <a:bodyPr/>
-          <a:lstStyle/>
-          <a:p>
-            <a:r>
-              <a:rPr lang="en-US" dirty="0" smtClean="0"/>
-              <a:t>Agenda</a:t>
-            </a:r>
-            <a:endParaRPr lang="en-US" dirty="0"/>
-          </a:p>
-        </p:txBody>
-      </p:sp>
-      <p:sp>
-        <p:nvSpPr>
-          <p:cNvPr id="3" name="Rectangle 2"/>
-          <p:cNvSpPr>
-            <a:spLocks noGrp="1"/>
-          </p:cNvSpPr>
-          <p:nvPr>
-            <p:ph idx="1"/>
-          </p:nvPr>
-        </p:nvSpPr>
-        <p:spPr>
-          <a:xfrm>
-            <a:off x="732609" y="1710028"/>
-            <a:ext cx="8946541" cy="4195481"/>
-          </a:xfrm>
-        </p:spPr>
-        <p:txBody>
-          <a:bodyPr>
-            <a:normAutofit/>
-          </a:bodyPr>
-          <a:lstStyle/>
-          <a:p>
-            <a:r>
-              <a:rPr lang="en-US" dirty="0" smtClean="0"/>
-              <a:t>A Quick look at how we bui</a:t>
-            </a:r>
-            <a:r>
-              <a:rPr lang="en-US" dirty="0" smtClean="0"/>
-              <a:t>ld Angular Application</a:t>
-            </a:r>
-          </a:p>
-          <a:p>
-            <a:r>
-              <a:rPr lang="en-US" dirty="0" smtClean="0"/>
-              <a:t>What is Redux?</a:t>
-            </a:r>
-          </a:p>
-          <a:p>
-            <a:r>
-              <a:rPr lang="en-US" dirty="0" smtClean="0"/>
-              <a:t>Redux – Key Ideas</a:t>
-            </a:r>
-          </a:p>
-          <a:p>
-            <a:r>
-              <a:rPr lang="en-US" dirty="0" smtClean="0"/>
-              <a:t>Redux – Key benefits</a:t>
-            </a:r>
-          </a:p>
-          <a:p>
-            <a:r>
-              <a:rPr lang="en-US" dirty="0" smtClean="0"/>
-              <a:t>Principles of Redux</a:t>
-            </a:r>
-          </a:p>
-          <a:p>
-            <a:r>
-              <a:rPr lang="en-US" dirty="0" smtClean="0"/>
-              <a:t>Redux Dependencies for Angular Apps</a:t>
-            </a:r>
-          </a:p>
-          <a:p>
-            <a:r>
-              <a:rPr lang="en-US" dirty="0" smtClean="0"/>
-              <a:t>Demo Project</a:t>
-            </a:r>
-          </a:p>
-        </p:txBody>
-      </p:sp>
-    </p:spTree>
-  </p:cSld>
-  <p:clrMapOvr>
-    <a:masterClrMapping/>
-  </p:clrMapOvr>
-  <p:timing>
-    <p:tnLst>
-      <p:par>
-        <p:cTn id="1" dur="indefinite" restart="never" nodeType="tmRoot"/>
-      </p:par>
-    </p:tnLst>
-  </p:timing>
-</p:sld>
-</file>
-
-<file path=ppt/slides/slide3.xml><?xml version="1.0" encoding="utf-8"?>
-<p:sld xmlns:a="http://schemas.openxmlformats.org/drawingml/2006/main" xmlns:r="http://schemas.openxmlformats.org/officeDocument/2006/relationships" xmlns:p="http://schemas.openxmlformats.org/presentationml/2006/main">
-  <p:cSld>
-    <p:spTree>
-      <p:nvGrpSpPr>
-        <p:cNvPr id="1" name=""/>
-        <p:cNvGrpSpPr/>
-        <p:nvPr/>
-      </p:nvGrpSpPr>
-      <p:grpSpPr>
-        <a:xfrm>
-          <a:off x="0" y="0"/>
-          <a:ext cx="0" cy="0"/>
-          <a:chOff x="0" y="0"/>
-          <a:chExt cx="0" cy="0"/>
-        </a:xfrm>
-      </p:grpSpPr>
-      <p:pic>
-        <p:nvPicPr>
-          <p:cNvPr id="6" name="Picture 5"/>
-          <p:cNvPicPr>
-            <a:picLocks noChangeAspect="1"/>
-          </p:cNvPicPr>
-          <p:nvPr/>
-        </p:nvPicPr>
-        <p:blipFill>
-          <a:blip r:embed="rId3"/>
-          <a:stretch>
-            <a:fillRect/>
-          </a:stretch>
-        </p:blipFill>
-        <p:spPr>
-          <a:xfrm>
-            <a:off x="3116108" y="2661033"/>
-            <a:ext cx="5629275" cy="3276600"/>
-          </a:xfrm>
-          <a:prstGeom prst="rect">
-            <a:avLst/>
-          </a:prstGeom>
-        </p:spPr>
-      </p:pic>
-      <p:sp>
-        <p:nvSpPr>
-          <p:cNvPr id="9" name="Rectangle 1"/>
-          <p:cNvSpPr txBox="1">
-            <a:spLocks/>
-          </p:cNvSpPr>
-          <p:nvPr/>
-        </p:nvSpPr>
         <p:spPr>
           <a:xfrm>
             <a:off x="646111" y="452718"/>
-            <a:ext cx="9404723" cy="1111677"/>
+            <a:ext cx="9404723" cy="947714"/>
+          </a:xfrm>
+        </p:spPr>
+        <p:txBody>
+          <a:bodyPr/>
+          <a:lstStyle/>
+          <a:p>
+            <a:r>
+              <a:rPr lang="en-US" dirty="0" err="1" smtClean="0"/>
+              <a:t>Flavours</a:t>
+            </a:r>
+            <a:r>
+              <a:rPr lang="en-US" dirty="0" smtClean="0"/>
+              <a:t> of Redux for Angular</a:t>
+            </a:r>
+            <a:endParaRPr lang="en-US" dirty="0"/>
+          </a:p>
+        </p:txBody>
+      </p:sp>
+      <p:sp>
+        <p:nvSpPr>
+          <p:cNvPr id="3" name="Rectangle 2"/>
+          <p:cNvSpPr>
+            <a:spLocks noGrp="1"/>
+          </p:cNvSpPr>
+          <p:nvPr>
+            <p:ph idx="1"/>
+          </p:nvPr>
+        </p:nvSpPr>
+        <p:spPr>
+          <a:xfrm>
+            <a:off x="1103312" y="2052918"/>
+            <a:ext cx="8946541" cy="962131"/>
+          </a:xfrm>
+        </p:spPr>
+        <p:txBody>
+          <a:bodyPr/>
+          <a:lstStyle/>
+          <a:p>
+            <a:r>
+              <a:rPr lang="en-US" dirty="0" smtClean="0"/>
+              <a:t>@</a:t>
+            </a:r>
+            <a:r>
+              <a:rPr lang="en-US" dirty="0" err="1" smtClean="0"/>
+              <a:t>ngrx</a:t>
+            </a:r>
+            <a:r>
+              <a:rPr lang="en-US" smtClean="0"/>
+              <a:t>/store</a:t>
+            </a:r>
+          </a:p>
+          <a:p>
+            <a:r>
+              <a:rPr lang="en-US" smtClean="0"/>
+              <a:t>ng2-redux</a:t>
+            </a:r>
+            <a:endParaRPr lang="en-US" dirty="0"/>
+          </a:p>
+        </p:txBody>
+      </p:sp>
+      <p:sp>
+        <p:nvSpPr>
+          <p:cNvPr id="4" name="Rectangle 1"/>
+          <p:cNvSpPr txBox="1">
+            <a:spLocks/>
+          </p:cNvSpPr>
+          <p:nvPr/>
+        </p:nvSpPr>
+        <p:spPr>
+          <a:xfrm>
+            <a:off x="773797" y="3193678"/>
+            <a:ext cx="9404723" cy="947714"/>
           </a:xfrm>
           <a:prstGeom prst="rect">
             <a:avLst/>
@@ -8599,7 +8363,286 @@
           <a:p>
             <a:r>
               <a:rPr lang="en-US" dirty="0" smtClean="0"/>
-              <a:t>You start with the basic architecture</a:t>
+              <a:t>Key differences b/w the two</a:t>
+            </a:r>
+            <a:endParaRPr lang="en-US" dirty="0"/>
+          </a:p>
+        </p:txBody>
+      </p:sp>
+      <p:sp>
+        <p:nvSpPr>
+          <p:cNvPr id="5" name="Rectangle 2"/>
+          <p:cNvSpPr txBox="1">
+            <a:spLocks/>
+          </p:cNvSpPr>
+          <p:nvPr/>
+        </p:nvSpPr>
+        <p:spPr>
+          <a:xfrm>
+            <a:off x="1103311" y="4320021"/>
+            <a:ext cx="8946541" cy="962131"/>
+          </a:xfrm>
+          <a:prstGeom prst="rect">
+            <a:avLst/>
+          </a:prstGeom>
+        </p:spPr>
+        <p:txBody>
+          <a:bodyPr vert="horz" lIns="91440" tIns="45720" rIns="91440" bIns="45720" rtlCol="0">
+            <a:normAutofit/>
+          </a:bodyPr>
+          <a:lstStyle>
+            <a:lvl1pPr marL="342900" indent="-342900" algn="l" defTabSz="457200" rtl="0" eaLnBrk="1" latinLnBrk="0" hangingPunct="1">
+              <a:spcBef>
+                <a:spcPts val="1000"/>
+              </a:spcBef>
+              <a:spcAft>
+                <a:spcPts val="0"/>
+              </a:spcAft>
+              <a:buClr>
+                <a:schemeClr val="bg2">
+                  <a:lumMod val="40000"/>
+                  <a:lumOff val="60000"/>
+                </a:schemeClr>
+              </a:buClr>
+              <a:buSzPct val="80000"/>
+              <a:buFont typeface="Wingdings 3" charset="2"/>
+              <a:buChar char=""/>
+              <a:defRPr sz="2000" b="0" i="0" kern="1200">
+                <a:solidFill>
+                  <a:schemeClr val="tx1"/>
+                </a:solidFill>
+                <a:latin typeface="+mj-lt"/>
+                <a:ea typeface="+mj-ea"/>
+                <a:cs typeface="+mj-cs"/>
+              </a:defRPr>
+            </a:lvl1pPr>
+            <a:lvl2pPr marL="742950" indent="-285750" algn="l" defTabSz="457200" rtl="0" eaLnBrk="1" latinLnBrk="0" hangingPunct="1">
+              <a:spcBef>
+                <a:spcPts val="1000"/>
+              </a:spcBef>
+              <a:spcAft>
+                <a:spcPts val="0"/>
+              </a:spcAft>
+              <a:buClr>
+                <a:schemeClr val="bg2">
+                  <a:lumMod val="40000"/>
+                  <a:lumOff val="60000"/>
+                </a:schemeClr>
+              </a:buClr>
+              <a:buSzPct val="80000"/>
+              <a:buFont typeface="Wingdings 3" charset="2"/>
+              <a:buChar char=""/>
+              <a:defRPr sz="1800" b="0" i="0" kern="1200">
+                <a:solidFill>
+                  <a:schemeClr val="tx1"/>
+                </a:solidFill>
+                <a:latin typeface="+mj-lt"/>
+                <a:ea typeface="+mj-ea"/>
+                <a:cs typeface="+mj-cs"/>
+              </a:defRPr>
+            </a:lvl2pPr>
+            <a:lvl3pPr marL="1143000" indent="-228600" algn="l" defTabSz="457200" rtl="0" eaLnBrk="1" latinLnBrk="0" hangingPunct="1">
+              <a:spcBef>
+                <a:spcPts val="1000"/>
+              </a:spcBef>
+              <a:spcAft>
+                <a:spcPts val="0"/>
+              </a:spcAft>
+              <a:buClr>
+                <a:schemeClr val="bg2">
+                  <a:lumMod val="40000"/>
+                  <a:lumOff val="60000"/>
+                </a:schemeClr>
+              </a:buClr>
+              <a:buSzPct val="80000"/>
+              <a:buFont typeface="Wingdings 3" charset="2"/>
+              <a:buChar char=""/>
+              <a:defRPr sz="1600" b="0" i="0" kern="1200">
+                <a:solidFill>
+                  <a:schemeClr val="tx1"/>
+                </a:solidFill>
+                <a:latin typeface="+mj-lt"/>
+                <a:ea typeface="+mj-ea"/>
+                <a:cs typeface="+mj-cs"/>
+              </a:defRPr>
+            </a:lvl3pPr>
+            <a:lvl4pPr marL="1600200" indent="-228600" algn="l" defTabSz="457200" rtl="0" eaLnBrk="1" latinLnBrk="0" hangingPunct="1">
+              <a:spcBef>
+                <a:spcPts val="1000"/>
+              </a:spcBef>
+              <a:spcAft>
+                <a:spcPts val="0"/>
+              </a:spcAft>
+              <a:buClr>
+                <a:schemeClr val="bg2">
+                  <a:lumMod val="40000"/>
+                  <a:lumOff val="60000"/>
+                </a:schemeClr>
+              </a:buClr>
+              <a:buSzPct val="80000"/>
+              <a:buFont typeface="Wingdings 3" charset="2"/>
+              <a:buChar char=""/>
+              <a:defRPr sz="1400" b="0" i="0" kern="1200">
+                <a:solidFill>
+                  <a:schemeClr val="tx1"/>
+                </a:solidFill>
+                <a:latin typeface="+mj-lt"/>
+                <a:ea typeface="+mj-ea"/>
+                <a:cs typeface="+mj-cs"/>
+              </a:defRPr>
+            </a:lvl4pPr>
+            <a:lvl5pPr marL="2057400" indent="-228600" algn="l" defTabSz="457200" rtl="0" eaLnBrk="1" latinLnBrk="0" hangingPunct="1">
+              <a:spcBef>
+                <a:spcPts val="1000"/>
+              </a:spcBef>
+              <a:spcAft>
+                <a:spcPts val="0"/>
+              </a:spcAft>
+              <a:buClr>
+                <a:schemeClr val="bg2">
+                  <a:lumMod val="40000"/>
+                  <a:lumOff val="60000"/>
+                </a:schemeClr>
+              </a:buClr>
+              <a:buSzPct val="80000"/>
+              <a:buFont typeface="Wingdings 3" charset="2"/>
+              <a:buChar char=""/>
+              <a:defRPr sz="1400" b="0" i="0" kern="1200">
+                <a:solidFill>
+                  <a:schemeClr val="tx1"/>
+                </a:solidFill>
+                <a:latin typeface="+mj-lt"/>
+                <a:ea typeface="+mj-ea"/>
+                <a:cs typeface="+mj-cs"/>
+              </a:defRPr>
+            </a:lvl5pPr>
+            <a:lvl6pPr marL="2514600" indent="-228600" algn="l" defTabSz="457200" rtl="0" eaLnBrk="1" latinLnBrk="0" hangingPunct="1">
+              <a:spcBef>
+                <a:spcPct val="20000"/>
+              </a:spcBef>
+              <a:spcAft>
+                <a:spcPts val="600"/>
+              </a:spcAft>
+              <a:buClr>
+                <a:schemeClr val="bg2">
+                  <a:lumMod val="40000"/>
+                  <a:lumOff val="60000"/>
+                </a:schemeClr>
+              </a:buClr>
+              <a:buSzPct val="80000"/>
+              <a:buFont typeface="Wingdings 3" charset="2"/>
+              <a:buChar char=""/>
+              <a:defRPr sz="1200" b="0" i="0" kern="1200">
+                <a:solidFill>
+                  <a:schemeClr val="tx1"/>
+                </a:solidFill>
+                <a:latin typeface="+mj-lt"/>
+                <a:ea typeface="+mj-ea"/>
+                <a:cs typeface="+mj-cs"/>
+              </a:defRPr>
+            </a:lvl6pPr>
+            <a:lvl7pPr marL="2971800" indent="-228600" algn="l" defTabSz="457200" rtl="0" eaLnBrk="1" latinLnBrk="0" hangingPunct="1">
+              <a:spcBef>
+                <a:spcPct val="20000"/>
+              </a:spcBef>
+              <a:spcAft>
+                <a:spcPts val="600"/>
+              </a:spcAft>
+              <a:buClr>
+                <a:schemeClr val="bg2">
+                  <a:lumMod val="40000"/>
+                  <a:lumOff val="60000"/>
+                </a:schemeClr>
+              </a:buClr>
+              <a:buSzPct val="80000"/>
+              <a:buFont typeface="Wingdings 3" charset="2"/>
+              <a:buChar char=""/>
+              <a:defRPr sz="1200" b="0" i="0" kern="1200">
+                <a:solidFill>
+                  <a:schemeClr val="tx1"/>
+                </a:solidFill>
+                <a:latin typeface="+mj-lt"/>
+                <a:ea typeface="+mj-ea"/>
+                <a:cs typeface="+mj-cs"/>
+              </a:defRPr>
+            </a:lvl7pPr>
+            <a:lvl8pPr marL="3429000" indent="-228600" algn="l" defTabSz="457200" rtl="0" eaLnBrk="1" latinLnBrk="0" hangingPunct="1">
+              <a:spcBef>
+                <a:spcPct val="20000"/>
+              </a:spcBef>
+              <a:spcAft>
+                <a:spcPts val="600"/>
+              </a:spcAft>
+              <a:buClr>
+                <a:schemeClr val="bg2">
+                  <a:lumMod val="40000"/>
+                  <a:lumOff val="60000"/>
+                </a:schemeClr>
+              </a:buClr>
+              <a:buSzPct val="80000"/>
+              <a:buFont typeface="Wingdings 3" charset="2"/>
+              <a:buChar char=""/>
+              <a:defRPr sz="1200" b="0" i="0" kern="1200">
+                <a:solidFill>
+                  <a:schemeClr val="tx1"/>
+                </a:solidFill>
+                <a:latin typeface="+mj-lt"/>
+                <a:ea typeface="+mj-ea"/>
+                <a:cs typeface="+mj-cs"/>
+              </a:defRPr>
+            </a:lvl8pPr>
+            <a:lvl9pPr marL="3886200" indent="-228600" algn="l" defTabSz="457200" rtl="0" eaLnBrk="1" latinLnBrk="0" hangingPunct="1">
+              <a:spcBef>
+                <a:spcPct val="20000"/>
+              </a:spcBef>
+              <a:spcAft>
+                <a:spcPts val="600"/>
+              </a:spcAft>
+              <a:buClr>
+                <a:schemeClr val="bg2">
+                  <a:lumMod val="40000"/>
+                  <a:lumOff val="60000"/>
+                </a:schemeClr>
+              </a:buClr>
+              <a:buSzPct val="80000"/>
+              <a:buFont typeface="Wingdings 3" charset="2"/>
+              <a:buChar char=""/>
+              <a:defRPr sz="1200" b="0" i="0" kern="1200">
+                <a:solidFill>
+                  <a:schemeClr val="tx1"/>
+                </a:solidFill>
+                <a:latin typeface="+mj-lt"/>
+                <a:ea typeface="+mj-ea"/>
+                <a:cs typeface="+mj-cs"/>
+              </a:defRPr>
+            </a:lvl9pPr>
+          </a:lstStyle>
+          <a:p>
+            <a:r>
+              <a:rPr lang="en-US" dirty="0" smtClean="0"/>
+              <a:t>@</a:t>
+            </a:r>
+            <a:r>
+              <a:rPr lang="en-US" dirty="0" err="1" smtClean="0"/>
+              <a:t>ngrx</a:t>
+            </a:r>
+            <a:r>
+              <a:rPr lang="en-US" dirty="0" smtClean="0"/>
+              <a:t>/store is a standalone implementation of Redux pattern </a:t>
+            </a:r>
+            <a:r>
+              <a:rPr lang="en-US" dirty="0" err="1" smtClean="0"/>
+              <a:t>whereras</a:t>
+            </a:r>
+            <a:r>
+              <a:rPr lang="en-US" dirty="0" smtClean="0"/>
+              <a:t> </a:t>
+            </a:r>
+          </a:p>
+          <a:p>
+            <a:r>
+              <a:rPr lang="en-US" dirty="0" smtClean="0"/>
+              <a:t>ng2-redux is dependent on redux library for JavaScript</a:t>
             </a:r>
             <a:endParaRPr lang="en-US" dirty="0"/>
           </a:p>
@@ -8608,7 +8651,7 @@
     </p:spTree>
     <p:extLst>
       <p:ext uri="{BB962C8B-B14F-4D97-AF65-F5344CB8AC3E}">
-        <p14:creationId xmlns:p14="http://schemas.microsoft.com/office/powerpoint/2010/main" val="1662079092"/>
+        <p14:creationId xmlns:p14="http://schemas.microsoft.com/office/powerpoint/2010/main" val="130527409"/>
       </p:ext>
     </p:extLst>
   </p:cSld>
@@ -8625,7 +8668,206 @@
 </p:sld>
 </file>
 
-<file path=ppt/slides/slide4.xml><?xml version="1.0" encoding="utf-8"?>
+<file path=ppt/slides/slide12.xml><?xml version="1.0" encoding="utf-8"?>
+<p:sld xmlns:a="http://schemas.openxmlformats.org/drawingml/2006/main" xmlns:r="http://schemas.openxmlformats.org/officeDocument/2006/relationships" xmlns:p="http://schemas.openxmlformats.org/presentationml/2006/main">
+  <p:cSld>
+    <p:spTree>
+      <p:nvGrpSpPr>
+        <p:cNvPr id="1" name=""/>
+        <p:cNvGrpSpPr/>
+        <p:nvPr/>
+      </p:nvGrpSpPr>
+      <p:grpSpPr>
+        <a:xfrm>
+          <a:off x="0" y="0"/>
+          <a:ext cx="0" cy="0"/>
+          <a:chOff x="0" y="0"/>
+          <a:chExt cx="0" cy="0"/>
+        </a:xfrm>
+      </p:grpSpPr>
+      <p:sp>
+        <p:nvSpPr>
+          <p:cNvPr id="2" name="Rectangle 1"/>
+          <p:cNvSpPr>
+            <a:spLocks noGrp="1"/>
+          </p:cNvSpPr>
+          <p:nvPr>
+            <p:ph type="title"/>
+          </p:nvPr>
+        </p:nvSpPr>
+        <p:spPr/>
+        <p:txBody>
+          <a:bodyPr/>
+          <a:lstStyle/>
+          <a:p>
+            <a:r>
+              <a:rPr lang="en-US" dirty="0" smtClean="0"/>
+              <a:t>Redux Dependencies for Angular</a:t>
+            </a:r>
+            <a:endParaRPr lang="en-US" dirty="0"/>
+          </a:p>
+        </p:txBody>
+      </p:sp>
+      <p:sp>
+        <p:nvSpPr>
+          <p:cNvPr id="3" name="Rectangle 2"/>
+          <p:cNvSpPr>
+            <a:spLocks noGrp="1"/>
+          </p:cNvSpPr>
+          <p:nvPr>
+            <p:ph idx="1"/>
+          </p:nvPr>
+        </p:nvSpPr>
+        <p:spPr/>
+        <p:txBody>
+          <a:bodyPr/>
+          <a:lstStyle/>
+          <a:p>
+            <a:endParaRPr lang="en-US" dirty="0"/>
+          </a:p>
+        </p:txBody>
+      </p:sp>
+    </p:spTree>
+    <p:extLst>
+      <p:ext uri="{BB962C8B-B14F-4D97-AF65-F5344CB8AC3E}">
+        <p14:creationId xmlns:p14="http://schemas.microsoft.com/office/powerpoint/2010/main" val="2754960409"/>
+      </p:ext>
+    </p:extLst>
+  </p:cSld>
+  <p:clrMapOvr>
+    <a:masterClrMapping/>
+  </p:clrMapOvr>
+  <p:timing>
+    <p:tnLst>
+      <p:par>
+        <p:cTn id="1" dur="indefinite" restart="never" nodeType="tmRoot"/>
+      </p:par>
+    </p:tnLst>
+  </p:timing>
+</p:sld>
+</file>
+
+<file path=ppt/slides/slide2.xml><?xml version="1.0" encoding="utf-8"?>
+<p:sld xmlns:a="http://schemas.openxmlformats.org/drawingml/2006/main" xmlns:r="http://schemas.openxmlformats.org/officeDocument/2006/relationships" xmlns:p="http://schemas.openxmlformats.org/presentationml/2006/main">
+  <p:cSld>
+    <p:spTree>
+      <p:nvGrpSpPr>
+        <p:cNvPr id="1" name=""/>
+        <p:cNvGrpSpPr/>
+        <p:nvPr/>
+      </p:nvGrpSpPr>
+      <p:grpSpPr>
+        <a:xfrm>
+          <a:off x="0" y="0"/>
+          <a:ext cx="0" cy="0"/>
+          <a:chOff x="0" y="0"/>
+          <a:chExt cx="0" cy="0"/>
+        </a:xfrm>
+      </p:grpSpPr>
+      <p:sp>
+        <p:nvSpPr>
+          <p:cNvPr id="2" name="Rectangle 1"/>
+          <p:cNvSpPr>
+            <a:spLocks noGrp="1"/>
+          </p:cNvSpPr>
+          <p:nvPr>
+            <p:ph type="title"/>
+          </p:nvPr>
+        </p:nvSpPr>
+        <p:spPr/>
+        <p:txBody>
+          <a:bodyPr/>
+          <a:lstStyle/>
+          <a:p>
+            <a:r>
+              <a:rPr lang="en-US" dirty="0" smtClean="0"/>
+              <a:t>Agenda</a:t>
+            </a:r>
+            <a:endParaRPr lang="en-US" dirty="0"/>
+          </a:p>
+        </p:txBody>
+      </p:sp>
+      <p:sp>
+        <p:nvSpPr>
+          <p:cNvPr id="3" name="Rectangle 2"/>
+          <p:cNvSpPr>
+            <a:spLocks noGrp="1"/>
+          </p:cNvSpPr>
+          <p:nvPr>
+            <p:ph idx="1"/>
+          </p:nvPr>
+        </p:nvSpPr>
+        <p:spPr>
+          <a:xfrm>
+            <a:off x="732609" y="1710028"/>
+            <a:ext cx="8946541" cy="4195481"/>
+          </a:xfrm>
+        </p:spPr>
+        <p:txBody>
+          <a:bodyPr>
+            <a:normAutofit/>
+          </a:bodyPr>
+          <a:lstStyle/>
+          <a:p>
+            <a:r>
+              <a:rPr lang="en-US" dirty="0" smtClean="0"/>
+              <a:t>A Quick look at how we build Angular Application</a:t>
+            </a:r>
+          </a:p>
+          <a:p>
+            <a:r>
+              <a:rPr lang="en-US" dirty="0" smtClean="0"/>
+              <a:t>What is Redux?</a:t>
+            </a:r>
+          </a:p>
+          <a:p>
+            <a:r>
+              <a:rPr lang="en-US" dirty="0" smtClean="0"/>
+              <a:t>Redux – Key Ideas</a:t>
+            </a:r>
+          </a:p>
+          <a:p>
+            <a:r>
+              <a:rPr lang="en-US" dirty="0" smtClean="0"/>
+              <a:t>Redux – Key benefits</a:t>
+            </a:r>
+          </a:p>
+          <a:p>
+            <a:r>
+              <a:rPr lang="en-US" dirty="0" smtClean="0"/>
+              <a:t>Principles of Redux</a:t>
+            </a:r>
+          </a:p>
+          <a:p>
+            <a:r>
+              <a:rPr lang="en-US" dirty="0" smtClean="0"/>
+              <a:t>Redux Dependencies for Angular Apps</a:t>
+            </a:r>
+          </a:p>
+          <a:p>
+            <a:r>
+              <a:rPr lang="en-US" dirty="0" smtClean="0"/>
+              <a:t>Demo Project</a:t>
+            </a:r>
+          </a:p>
+        </p:txBody>
+      </p:sp>
+    </p:spTree>
+  </p:cSld>
+  <p:clrMapOvr>
+    <a:masterClrMapping/>
+  </p:clrMapOvr>
+  <p:timing>
+    <p:tnLst>
+      <p:par>
+        <p:cTn id="1" dur="indefinite" restart="never" nodeType="tmRoot"/>
+      </p:par>
+    </p:tnLst>
+  </p:timing>
+</p:sld>
+</file>
+
+<file path=ppt/slides/slide3.xml><?xml version="1.0" encoding="utf-8"?>
 <p:sld xmlns:a="http://schemas.openxmlformats.org/drawingml/2006/main" xmlns:r="http://schemas.openxmlformats.org/officeDocument/2006/relationships" xmlns:p="http://schemas.openxmlformats.org/presentationml/2006/main">
   <p:cSld>
     <p:spTree>
@@ -8644,7 +8886,7 @@
       </p:grpSpPr>
       <p:pic>
         <p:nvPicPr>
-          <p:cNvPr id="4" name="Picture 3"/>
+          <p:cNvPr id="6" name="Picture 5"/>
           <p:cNvPicPr>
             <a:picLocks noChangeAspect="1"/>
           </p:cNvPicPr>
@@ -8658,8 +8900,8 @@
         </p:blipFill>
         <p:spPr>
           <a:xfrm>
-            <a:off x="1913837" y="1570364"/>
-            <a:ext cx="7791450" cy="5105400"/>
+            <a:off x="3116108" y="2661033"/>
+            <a:ext cx="5629275" cy="3276600"/>
           </a:xfrm>
           <a:prstGeom prst="rect">
             <a:avLst/>
@@ -8668,7 +8910,7 @@
       </p:pic>
       <p:sp>
         <p:nvSpPr>
-          <p:cNvPr id="7" name="Rectangle 1"/>
+          <p:cNvPr id="9" name="Rectangle 1"/>
           <p:cNvSpPr txBox="1">
             <a:spLocks/>
           </p:cNvSpPr>
@@ -8676,8 +8918,8 @@
         </p:nvSpPr>
         <p:spPr>
           <a:xfrm>
-            <a:off x="646111" y="452719"/>
-            <a:ext cx="9404723" cy="820190"/>
+            <a:off x="646111" y="452718"/>
+            <a:ext cx="9404723" cy="1111677"/>
           </a:xfrm>
           <a:prstGeom prst="rect">
             <a:avLst/>
@@ -8762,7 +9004,7 @@
           <a:p>
             <a:r>
               <a:rPr lang="en-US" dirty="0" smtClean="0"/>
-              <a:t>You application starts getting bigger</a:t>
+              <a:t>You start with the basic architecture</a:t>
             </a:r>
             <a:endParaRPr lang="en-US" dirty="0"/>
           </a:p>
@@ -8771,7 +9013,7 @@
     </p:spTree>
     <p:extLst>
       <p:ext uri="{BB962C8B-B14F-4D97-AF65-F5344CB8AC3E}">
-        <p14:creationId xmlns:p14="http://schemas.microsoft.com/office/powerpoint/2010/main" val="1391885753"/>
+        <p14:creationId xmlns:p14="http://schemas.microsoft.com/office/powerpoint/2010/main" val="1662079092"/>
       </p:ext>
     </p:extLst>
   </p:cSld>
@@ -8788,7 +9030,7 @@
 </p:sld>
 </file>
 
-<file path=ppt/slides/slide5.xml><?xml version="1.0" encoding="utf-8"?>
+<file path=ppt/slides/slide4.xml><?xml version="1.0" encoding="utf-8"?>
 <p:sld xmlns:a="http://schemas.openxmlformats.org/drawingml/2006/main" xmlns:r="http://schemas.openxmlformats.org/officeDocument/2006/relationships" xmlns:p="http://schemas.openxmlformats.org/presentationml/2006/main">
   <p:cSld>
     <p:spTree>
@@ -8813,15 +9055,16 @@
           </p:cNvPicPr>
           <p:nvPr/>
         </p:nvPicPr>
-        <p:blipFill rotWithShape="1">
+        <p:blipFill>
           <a:blip r:embed="rId3"/>
-          <a:srcRect l="-273" t="739" r="273" b="26212"/>
-          <a:stretch/>
+          <a:stretch>
+            <a:fillRect/>
+          </a:stretch>
         </p:blipFill>
         <p:spPr>
           <a:xfrm>
-            <a:off x="1715877" y="1923935"/>
-            <a:ext cx="8077200" cy="4355679"/>
+            <a:off x="1913837" y="1570364"/>
+            <a:ext cx="7791450" cy="5105400"/>
           </a:xfrm>
           <a:prstGeom prst="rect">
             <a:avLst/>
@@ -8924,6 +9167,168 @@
           <a:p>
             <a:r>
               <a:rPr lang="en-US" dirty="0" smtClean="0"/>
+              <a:t>You application starts getting bigger</a:t>
+            </a:r>
+            <a:endParaRPr lang="en-US" dirty="0"/>
+          </a:p>
+        </p:txBody>
+      </p:sp>
+    </p:spTree>
+    <p:extLst>
+      <p:ext uri="{BB962C8B-B14F-4D97-AF65-F5344CB8AC3E}">
+        <p14:creationId xmlns:p14="http://schemas.microsoft.com/office/powerpoint/2010/main" val="1391885753"/>
+      </p:ext>
+    </p:extLst>
+  </p:cSld>
+  <p:clrMapOvr>
+    <a:masterClrMapping/>
+  </p:clrMapOvr>
+  <p:timing>
+    <p:tnLst>
+      <p:par>
+        <p:cTn id="1" dur="indefinite" restart="never" nodeType="tmRoot"/>
+      </p:par>
+    </p:tnLst>
+  </p:timing>
+</p:sld>
+</file>
+
+<file path=ppt/slides/slide5.xml><?xml version="1.0" encoding="utf-8"?>
+<p:sld xmlns:a="http://schemas.openxmlformats.org/drawingml/2006/main" xmlns:r="http://schemas.openxmlformats.org/officeDocument/2006/relationships" xmlns:p="http://schemas.openxmlformats.org/presentationml/2006/main">
+  <p:cSld>
+    <p:spTree>
+      <p:nvGrpSpPr>
+        <p:cNvPr id="1" name=""/>
+        <p:cNvGrpSpPr/>
+        <p:nvPr/>
+      </p:nvGrpSpPr>
+      <p:grpSpPr>
+        <a:xfrm>
+          <a:off x="0" y="0"/>
+          <a:ext cx="0" cy="0"/>
+          <a:chOff x="0" y="0"/>
+          <a:chExt cx="0" cy="0"/>
+        </a:xfrm>
+      </p:grpSpPr>
+      <p:pic>
+        <p:nvPicPr>
+          <p:cNvPr id="4" name="Picture 3"/>
+          <p:cNvPicPr>
+            <a:picLocks noChangeAspect="1"/>
+          </p:cNvPicPr>
+          <p:nvPr/>
+        </p:nvPicPr>
+        <p:blipFill rotWithShape="1">
+          <a:blip r:embed="rId3"/>
+          <a:srcRect l="-273" t="739" r="273" b="26212"/>
+          <a:stretch/>
+        </p:blipFill>
+        <p:spPr>
+          <a:xfrm>
+            <a:off x="1715877" y="1923935"/>
+            <a:ext cx="8077200" cy="4355679"/>
+          </a:xfrm>
+          <a:prstGeom prst="rect">
+            <a:avLst/>
+          </a:prstGeom>
+        </p:spPr>
+      </p:pic>
+      <p:sp>
+        <p:nvSpPr>
+          <p:cNvPr id="7" name="Rectangle 1"/>
+          <p:cNvSpPr txBox="1">
+            <a:spLocks/>
+          </p:cNvSpPr>
+          <p:nvPr/>
+        </p:nvSpPr>
+        <p:spPr>
+          <a:xfrm>
+            <a:off x="646111" y="452719"/>
+            <a:ext cx="9404723" cy="820190"/>
+          </a:xfrm>
+          <a:prstGeom prst="rect">
+            <a:avLst/>
+          </a:prstGeom>
+        </p:spPr>
+        <p:txBody>
+          <a:bodyPr vert="horz" lIns="91440" tIns="45720" rIns="91440" bIns="45720" rtlCol="0" anchor="t">
+            <a:noAutofit/>
+          </a:bodyPr>
+          <a:lstStyle>
+            <a:lvl1pPr algn="l" defTabSz="457200" rtl="0" eaLnBrk="1" latinLnBrk="0" hangingPunct="1">
+              <a:spcBef>
+                <a:spcPct val="0"/>
+              </a:spcBef>
+              <a:buNone/>
+              <a:defRPr sz="4200" b="0" i="0" kern="1200">
+                <a:solidFill>
+                  <a:schemeClr val="tx2"/>
+                </a:solidFill>
+                <a:latin typeface="+mj-lt"/>
+                <a:ea typeface="+mj-ea"/>
+                <a:cs typeface="+mj-cs"/>
+              </a:defRPr>
+            </a:lvl1pPr>
+            <a:lvl2pPr eaLnBrk="1" hangingPunct="1">
+              <a:defRPr>
+                <a:solidFill>
+                  <a:schemeClr val="tx2"/>
+                </a:solidFill>
+              </a:defRPr>
+            </a:lvl2pPr>
+            <a:lvl3pPr eaLnBrk="1" hangingPunct="1">
+              <a:defRPr>
+                <a:solidFill>
+                  <a:schemeClr val="tx2"/>
+                </a:solidFill>
+              </a:defRPr>
+            </a:lvl3pPr>
+            <a:lvl4pPr eaLnBrk="1" hangingPunct="1">
+              <a:defRPr>
+                <a:solidFill>
+                  <a:schemeClr val="tx2"/>
+                </a:solidFill>
+              </a:defRPr>
+            </a:lvl4pPr>
+            <a:lvl5pPr eaLnBrk="1" hangingPunct="1">
+              <a:defRPr>
+                <a:solidFill>
+                  <a:schemeClr val="tx2"/>
+                </a:solidFill>
+              </a:defRPr>
+            </a:lvl5pPr>
+            <a:lvl6pPr eaLnBrk="1" hangingPunct="1">
+              <a:defRPr>
+                <a:solidFill>
+                  <a:schemeClr val="tx2"/>
+                </a:solidFill>
+              </a:defRPr>
+            </a:lvl6pPr>
+            <a:lvl7pPr eaLnBrk="1" hangingPunct="1">
+              <a:defRPr>
+                <a:solidFill>
+                  <a:schemeClr val="tx2"/>
+                </a:solidFill>
+              </a:defRPr>
+            </a:lvl7pPr>
+            <a:lvl8pPr eaLnBrk="1" hangingPunct="1">
+              <a:defRPr>
+                <a:solidFill>
+                  <a:schemeClr val="tx2"/>
+                </a:solidFill>
+              </a:defRPr>
+            </a:lvl8pPr>
+            <a:lvl9pPr eaLnBrk="1" hangingPunct="1">
+              <a:defRPr>
+                <a:solidFill>
+                  <a:schemeClr val="tx2"/>
+                </a:solidFill>
+              </a:defRPr>
+            </a:lvl9pPr>
+          </a:lstStyle>
+          <a:p>
+            <a:r>
+              <a:rPr lang="en-US" dirty="0" smtClean="0"/>
               <a:t>To a point where it starts looking like this</a:t>
             </a:r>
             <a:endParaRPr lang="en-US" dirty="0"/>
@@ -9090,7 +9495,6 @@
               <a:rPr lang="en-US" dirty="0"/>
               <a:t>for Angular applications, inspired by Redux.</a:t>
             </a:r>
-            <a:endParaRPr lang="en-US" dirty="0"/>
           </a:p>
         </p:txBody>
       </p:sp>
@@ -9215,8 +9619,19 @@
             </a:r>
             <a:r>
               <a:rPr lang="en-US" dirty="0"/>
-              <a:t> is never mutated directly</a:t>
-            </a:r>
+              <a:t> is never mutated </a:t>
+            </a:r>
+            <a:r>
+              <a:rPr lang="en-US" dirty="0" smtClean="0"/>
+              <a:t>directly</a:t>
+            </a:r>
+          </a:p>
+          <a:p>
+            <a:r>
+              <a:rPr lang="en-US" dirty="0"/>
+              <a:t>Requests to change state have to go through a dispatcher</a:t>
+            </a:r>
+            <a:endParaRPr lang="en-US" dirty="0"/>
           </a:p>
           <a:p>
             <a:r>
@@ -9243,6 +9658,13 @@
           <a:p>
             <a:r>
               <a:rPr lang="en-US" dirty="0"/>
+              <a:t>Functions, called reducers, get a chance to operate on the action</a:t>
+            </a:r>
+            <a:endParaRPr lang="en-US" dirty="0" smtClean="0"/>
+          </a:p>
+          <a:p>
+            <a:r>
+              <a:rPr lang="en-US" dirty="0"/>
               <a:t>A </a:t>
             </a:r>
             <a:r>
@@ -9251,7 +9673,15 @@
             </a:r>
             <a:r>
               <a:rPr lang="en-US" dirty="0"/>
-              <a:t> is created by combining he </a:t>
+              <a:t> is created by combining </a:t>
+            </a:r>
+            <a:r>
+              <a:rPr lang="en-US" dirty="0" smtClean="0"/>
+              <a:t>the</a:t>
+            </a:r>
+            <a:r>
+              <a:rPr lang="en-US" dirty="0"/>
+              <a:t> </a:t>
             </a:r>
             <a:r>
               <a:rPr lang="en-US" b="1" dirty="0"/>
@@ -9267,11 +9697,17 @@
             </a:r>
             <a:r>
               <a:rPr lang="en-US" dirty="0"/>
-              <a:t> by a function called the </a:t>
-            </a:r>
-            <a:r>
-              <a:rPr lang="en-US" i="1" dirty="0"/>
+              <a:t> by </a:t>
+            </a:r>
+            <a:r>
+              <a:rPr lang="en-US" dirty="0" smtClean="0"/>
               <a:t>reducer</a:t>
+            </a:r>
+          </a:p>
+          <a:p>
+            <a:r>
+              <a:rPr lang="en-US" dirty="0"/>
+              <a:t>The store provides a stream of updates that can be watched by components needing to bind that data to the page or other components</a:t>
             </a:r>
             <a:endParaRPr lang="en-US" dirty="0"/>
           </a:p>

--- a/slidesAndImages/Introduction.pptx
+++ b/slidesAndImages/Introduction.pptx
@@ -5,10 +5,10 @@
     <p:sldMasterId id="2147483648" r:id="rId2"/>
   </p:sldMasterIdLst>
   <p:notesMasterIdLst>
-    <p:notesMasterId r:id="rId15"/>
+    <p:notesMasterId r:id="rId21"/>
   </p:notesMasterIdLst>
   <p:handoutMasterIdLst>
-    <p:handoutMasterId r:id="rId16"/>
+    <p:handoutMasterId r:id="rId22"/>
   </p:handoutMasterIdLst>
   <p:sldIdLst>
     <p:sldId id="257" r:id="rId3"/>
@@ -17,12 +17,18 @@
     <p:sldId id="275" r:id="rId6"/>
     <p:sldId id="276" r:id="rId7"/>
     <p:sldId id="277" r:id="rId8"/>
-    <p:sldId id="269" r:id="rId9"/>
-    <p:sldId id="261" r:id="rId10"/>
-    <p:sldId id="262" r:id="rId11"/>
-    <p:sldId id="278" r:id="rId12"/>
-    <p:sldId id="279" r:id="rId13"/>
-    <p:sldId id="280" r:id="rId14"/>
+    <p:sldId id="283" r:id="rId9"/>
+    <p:sldId id="281" r:id="rId10"/>
+    <p:sldId id="269" r:id="rId11"/>
+    <p:sldId id="284" r:id="rId12"/>
+    <p:sldId id="261" r:id="rId13"/>
+    <p:sldId id="262" r:id="rId14"/>
+    <p:sldId id="278" r:id="rId15"/>
+    <p:sldId id="279" r:id="rId16"/>
+    <p:sldId id="280" r:id="rId17"/>
+    <p:sldId id="286" r:id="rId18"/>
+    <p:sldId id="287" r:id="rId19"/>
+    <p:sldId id="285" r:id="rId20"/>
   </p:sldIdLst>
   <p:sldSz cx="12192000" cy="6858000"/>
   <p:notesSz cx="7023100" cy="9309100"/>
@@ -799,7 +805,7 @@
             <a:fld id="{5257B995-136A-4A15-87A5-26420C3C1021}" type="slidenum">
               <a:rPr lang="en-US" smtClean="0"/>
               <a:pPr/>
-              <a:t>11</a:t>
+              <a:t>12</a:t>
             </a:fld>
             <a:endParaRPr lang="en-US"/>
           </a:p>
@@ -808,7 +814,7 @@
     </p:spTree>
     <p:extLst>
       <p:ext uri="{BB962C8B-B14F-4D97-AF65-F5344CB8AC3E}">
-        <p14:creationId xmlns:p14="http://schemas.microsoft.com/office/powerpoint/2010/main" val="804374158"/>
+        <p14:creationId xmlns:p14="http://schemas.microsoft.com/office/powerpoint/2010/main" val="3822894131"/>
       </p:ext>
     </p:extLst>
   </p:cSld>
@@ -886,7 +892,181 @@
             <a:fld id="{5257B995-136A-4A15-87A5-26420C3C1021}" type="slidenum">
               <a:rPr lang="en-US" smtClean="0"/>
               <a:pPr/>
-              <a:t>12</a:t>
+              <a:t>13</a:t>
+            </a:fld>
+            <a:endParaRPr lang="en-US"/>
+          </a:p>
+        </p:txBody>
+      </p:sp>
+    </p:spTree>
+    <p:extLst>
+      <p:ext uri="{BB962C8B-B14F-4D97-AF65-F5344CB8AC3E}">
+        <p14:creationId xmlns:p14="http://schemas.microsoft.com/office/powerpoint/2010/main" val="3413936148"/>
+      </p:ext>
+    </p:extLst>
+  </p:cSld>
+  <p:clrMapOvr>
+    <a:masterClrMapping/>
+  </p:clrMapOvr>
+</p:notes>
+</file>
+
+<file path=ppt/notesSlides/notesSlide12.xml><?xml version="1.0" encoding="utf-8"?>
+<p:notes xmlns:a="http://schemas.openxmlformats.org/drawingml/2006/main" xmlns:r="http://schemas.openxmlformats.org/officeDocument/2006/relationships" xmlns:p="http://schemas.openxmlformats.org/presentationml/2006/main">
+  <p:cSld>
+    <p:spTree>
+      <p:nvGrpSpPr>
+        <p:cNvPr id="1" name=""/>
+        <p:cNvGrpSpPr/>
+        <p:nvPr/>
+      </p:nvGrpSpPr>
+      <p:grpSpPr>
+        <a:xfrm>
+          <a:off x="0" y="0"/>
+          <a:ext cx="0" cy="0"/>
+          <a:chOff x="0" y="0"/>
+          <a:chExt cx="0" cy="0"/>
+        </a:xfrm>
+      </p:grpSpPr>
+      <p:sp>
+        <p:nvSpPr>
+          <p:cNvPr id="2" name="Slide Image Placeholder 1"/>
+          <p:cNvSpPr>
+            <a:spLocks noGrp="1" noRot="1" noChangeAspect="1"/>
+          </p:cNvSpPr>
+          <p:nvPr>
+            <p:ph type="sldImg"/>
+          </p:nvPr>
+        </p:nvSpPr>
+        <p:spPr/>
+      </p:sp>
+      <p:sp>
+        <p:nvSpPr>
+          <p:cNvPr id="3" name="Notes Placeholder 2"/>
+          <p:cNvSpPr>
+            <a:spLocks noGrp="1"/>
+          </p:cNvSpPr>
+          <p:nvPr>
+            <p:ph type="body" idx="1"/>
+          </p:nvPr>
+        </p:nvSpPr>
+        <p:spPr/>
+        <p:txBody>
+          <a:bodyPr>
+            <a:normAutofit/>
+          </a:bodyPr>
+          <a:lstStyle/>
+          <a:p>
+            <a:endParaRPr lang="en-US"/>
+          </a:p>
+        </p:txBody>
+      </p:sp>
+      <p:sp>
+        <p:nvSpPr>
+          <p:cNvPr id="4" name="Slide Number Placeholder 3"/>
+          <p:cNvSpPr>
+            <a:spLocks noGrp="1"/>
+          </p:cNvSpPr>
+          <p:nvPr>
+            <p:ph type="sldNum" sz="quarter" idx="10"/>
+          </p:nvPr>
+        </p:nvSpPr>
+        <p:spPr/>
+        <p:txBody>
+          <a:bodyPr/>
+          <a:lstStyle/>
+          <a:p>
+            <a:fld id="{5257B995-136A-4A15-87A5-26420C3C1021}" type="slidenum">
+              <a:rPr lang="en-US" smtClean="0"/>
+              <a:pPr/>
+              <a:t>14</a:t>
+            </a:fld>
+            <a:endParaRPr lang="en-US"/>
+          </a:p>
+        </p:txBody>
+      </p:sp>
+    </p:spTree>
+    <p:extLst>
+      <p:ext uri="{BB962C8B-B14F-4D97-AF65-F5344CB8AC3E}">
+        <p14:creationId xmlns:p14="http://schemas.microsoft.com/office/powerpoint/2010/main" val="804374158"/>
+      </p:ext>
+    </p:extLst>
+  </p:cSld>
+  <p:clrMapOvr>
+    <a:masterClrMapping/>
+  </p:clrMapOvr>
+</p:notes>
+</file>
+
+<file path=ppt/notesSlides/notesSlide13.xml><?xml version="1.0" encoding="utf-8"?>
+<p:notes xmlns:a="http://schemas.openxmlformats.org/drawingml/2006/main" xmlns:r="http://schemas.openxmlformats.org/officeDocument/2006/relationships" xmlns:p="http://schemas.openxmlformats.org/presentationml/2006/main">
+  <p:cSld>
+    <p:spTree>
+      <p:nvGrpSpPr>
+        <p:cNvPr id="1" name=""/>
+        <p:cNvGrpSpPr/>
+        <p:nvPr/>
+      </p:nvGrpSpPr>
+      <p:grpSpPr>
+        <a:xfrm>
+          <a:off x="0" y="0"/>
+          <a:ext cx="0" cy="0"/>
+          <a:chOff x="0" y="0"/>
+          <a:chExt cx="0" cy="0"/>
+        </a:xfrm>
+      </p:grpSpPr>
+      <p:sp>
+        <p:nvSpPr>
+          <p:cNvPr id="2" name="Slide Image Placeholder 1"/>
+          <p:cNvSpPr>
+            <a:spLocks noGrp="1" noRot="1" noChangeAspect="1"/>
+          </p:cNvSpPr>
+          <p:nvPr>
+            <p:ph type="sldImg"/>
+          </p:nvPr>
+        </p:nvSpPr>
+        <p:spPr/>
+      </p:sp>
+      <p:sp>
+        <p:nvSpPr>
+          <p:cNvPr id="3" name="Notes Placeholder 2"/>
+          <p:cNvSpPr>
+            <a:spLocks noGrp="1"/>
+          </p:cNvSpPr>
+          <p:nvPr>
+            <p:ph type="body" idx="1"/>
+          </p:nvPr>
+        </p:nvSpPr>
+        <p:spPr/>
+        <p:txBody>
+          <a:bodyPr>
+            <a:normAutofit/>
+          </a:bodyPr>
+          <a:lstStyle/>
+          <a:p>
+            <a:endParaRPr lang="en-US"/>
+          </a:p>
+        </p:txBody>
+      </p:sp>
+      <p:sp>
+        <p:nvSpPr>
+          <p:cNvPr id="4" name="Slide Number Placeholder 3"/>
+          <p:cNvSpPr>
+            <a:spLocks noGrp="1"/>
+          </p:cNvSpPr>
+          <p:nvPr>
+            <p:ph type="sldNum" sz="quarter" idx="10"/>
+          </p:nvPr>
+        </p:nvSpPr>
+        <p:spPr/>
+        <p:txBody>
+          <a:bodyPr/>
+          <a:lstStyle/>
+          <a:p>
+            <a:fld id="{5257B995-136A-4A15-87A5-26420C3C1021}" type="slidenum">
+              <a:rPr lang="en-US" smtClean="0"/>
+              <a:pPr/>
+              <a:t>15</a:t>
             </a:fld>
             <a:endParaRPr lang="en-US"/>
           </a:p>
@@ -896,6 +1076,267 @@
     <p:extLst>
       <p:ext uri="{BB962C8B-B14F-4D97-AF65-F5344CB8AC3E}">
         <p14:creationId xmlns:p14="http://schemas.microsoft.com/office/powerpoint/2010/main" val="3654452274"/>
+      </p:ext>
+    </p:extLst>
+  </p:cSld>
+  <p:clrMapOvr>
+    <a:masterClrMapping/>
+  </p:clrMapOvr>
+</p:notes>
+</file>
+
+<file path=ppt/notesSlides/notesSlide14.xml><?xml version="1.0" encoding="utf-8"?>
+<p:notes xmlns:a="http://schemas.openxmlformats.org/drawingml/2006/main" xmlns:r="http://schemas.openxmlformats.org/officeDocument/2006/relationships" xmlns:p="http://schemas.openxmlformats.org/presentationml/2006/main">
+  <p:cSld>
+    <p:spTree>
+      <p:nvGrpSpPr>
+        <p:cNvPr id="1" name=""/>
+        <p:cNvGrpSpPr/>
+        <p:nvPr/>
+      </p:nvGrpSpPr>
+      <p:grpSpPr>
+        <a:xfrm>
+          <a:off x="0" y="0"/>
+          <a:ext cx="0" cy="0"/>
+          <a:chOff x="0" y="0"/>
+          <a:chExt cx="0" cy="0"/>
+        </a:xfrm>
+      </p:grpSpPr>
+      <p:sp>
+        <p:nvSpPr>
+          <p:cNvPr id="2" name="Slide Image Placeholder 1"/>
+          <p:cNvSpPr>
+            <a:spLocks noGrp="1" noRot="1" noChangeAspect="1"/>
+          </p:cNvSpPr>
+          <p:nvPr>
+            <p:ph type="sldImg"/>
+          </p:nvPr>
+        </p:nvSpPr>
+        <p:spPr/>
+      </p:sp>
+      <p:sp>
+        <p:nvSpPr>
+          <p:cNvPr id="3" name="Notes Placeholder 2"/>
+          <p:cNvSpPr>
+            <a:spLocks noGrp="1"/>
+          </p:cNvSpPr>
+          <p:nvPr>
+            <p:ph type="body" idx="1"/>
+          </p:nvPr>
+        </p:nvSpPr>
+        <p:spPr/>
+        <p:txBody>
+          <a:bodyPr>
+            <a:normAutofit/>
+          </a:bodyPr>
+          <a:lstStyle/>
+          <a:p>
+            <a:endParaRPr lang="en-US"/>
+          </a:p>
+        </p:txBody>
+      </p:sp>
+      <p:sp>
+        <p:nvSpPr>
+          <p:cNvPr id="4" name="Slide Number Placeholder 3"/>
+          <p:cNvSpPr>
+            <a:spLocks noGrp="1"/>
+          </p:cNvSpPr>
+          <p:nvPr>
+            <p:ph type="sldNum" sz="quarter" idx="10"/>
+          </p:nvPr>
+        </p:nvSpPr>
+        <p:spPr/>
+        <p:txBody>
+          <a:bodyPr/>
+          <a:lstStyle/>
+          <a:p>
+            <a:fld id="{5257B995-136A-4A15-87A5-26420C3C1021}" type="slidenum">
+              <a:rPr lang="en-US" smtClean="0"/>
+              <a:pPr/>
+              <a:t>16</a:t>
+            </a:fld>
+            <a:endParaRPr lang="en-US"/>
+          </a:p>
+        </p:txBody>
+      </p:sp>
+    </p:spTree>
+    <p:extLst>
+      <p:ext uri="{BB962C8B-B14F-4D97-AF65-F5344CB8AC3E}">
+        <p14:creationId xmlns:p14="http://schemas.microsoft.com/office/powerpoint/2010/main" val="844944702"/>
+      </p:ext>
+    </p:extLst>
+  </p:cSld>
+  <p:clrMapOvr>
+    <a:masterClrMapping/>
+  </p:clrMapOvr>
+</p:notes>
+</file>
+
+<file path=ppt/notesSlides/notesSlide15.xml><?xml version="1.0" encoding="utf-8"?>
+<p:notes xmlns:a="http://schemas.openxmlformats.org/drawingml/2006/main" xmlns:r="http://schemas.openxmlformats.org/officeDocument/2006/relationships" xmlns:p="http://schemas.openxmlformats.org/presentationml/2006/main">
+  <p:cSld>
+    <p:spTree>
+      <p:nvGrpSpPr>
+        <p:cNvPr id="1" name=""/>
+        <p:cNvGrpSpPr/>
+        <p:nvPr/>
+      </p:nvGrpSpPr>
+      <p:grpSpPr>
+        <a:xfrm>
+          <a:off x="0" y="0"/>
+          <a:ext cx="0" cy="0"/>
+          <a:chOff x="0" y="0"/>
+          <a:chExt cx="0" cy="0"/>
+        </a:xfrm>
+      </p:grpSpPr>
+      <p:sp>
+        <p:nvSpPr>
+          <p:cNvPr id="2" name="Slide Image Placeholder 1"/>
+          <p:cNvSpPr>
+            <a:spLocks noGrp="1" noRot="1" noChangeAspect="1"/>
+          </p:cNvSpPr>
+          <p:nvPr>
+            <p:ph type="sldImg"/>
+          </p:nvPr>
+        </p:nvSpPr>
+        <p:spPr/>
+      </p:sp>
+      <p:sp>
+        <p:nvSpPr>
+          <p:cNvPr id="3" name="Notes Placeholder 2"/>
+          <p:cNvSpPr>
+            <a:spLocks noGrp="1"/>
+          </p:cNvSpPr>
+          <p:nvPr>
+            <p:ph type="body" idx="1"/>
+          </p:nvPr>
+        </p:nvSpPr>
+        <p:spPr/>
+        <p:txBody>
+          <a:bodyPr>
+            <a:normAutofit/>
+          </a:bodyPr>
+          <a:lstStyle/>
+          <a:p>
+            <a:endParaRPr lang="en-US"/>
+          </a:p>
+        </p:txBody>
+      </p:sp>
+      <p:sp>
+        <p:nvSpPr>
+          <p:cNvPr id="4" name="Slide Number Placeholder 3"/>
+          <p:cNvSpPr>
+            <a:spLocks noGrp="1"/>
+          </p:cNvSpPr>
+          <p:nvPr>
+            <p:ph type="sldNum" sz="quarter" idx="10"/>
+          </p:nvPr>
+        </p:nvSpPr>
+        <p:spPr/>
+        <p:txBody>
+          <a:bodyPr/>
+          <a:lstStyle/>
+          <a:p>
+            <a:fld id="{5257B995-136A-4A15-87A5-26420C3C1021}" type="slidenum">
+              <a:rPr lang="en-US" smtClean="0"/>
+              <a:pPr/>
+              <a:t>17</a:t>
+            </a:fld>
+            <a:endParaRPr lang="en-US"/>
+          </a:p>
+        </p:txBody>
+      </p:sp>
+    </p:spTree>
+    <p:extLst>
+      <p:ext uri="{BB962C8B-B14F-4D97-AF65-F5344CB8AC3E}">
+        <p14:creationId xmlns:p14="http://schemas.microsoft.com/office/powerpoint/2010/main" val="133129688"/>
+      </p:ext>
+    </p:extLst>
+  </p:cSld>
+  <p:clrMapOvr>
+    <a:masterClrMapping/>
+  </p:clrMapOvr>
+</p:notes>
+</file>
+
+<file path=ppt/notesSlides/notesSlide16.xml><?xml version="1.0" encoding="utf-8"?>
+<p:notes xmlns:a="http://schemas.openxmlformats.org/drawingml/2006/main" xmlns:r="http://schemas.openxmlformats.org/officeDocument/2006/relationships" xmlns:p="http://schemas.openxmlformats.org/presentationml/2006/main">
+  <p:cSld>
+    <p:spTree>
+      <p:nvGrpSpPr>
+        <p:cNvPr id="1" name=""/>
+        <p:cNvGrpSpPr/>
+        <p:nvPr/>
+      </p:nvGrpSpPr>
+      <p:grpSpPr>
+        <a:xfrm>
+          <a:off x="0" y="0"/>
+          <a:ext cx="0" cy="0"/>
+          <a:chOff x="0" y="0"/>
+          <a:chExt cx="0" cy="0"/>
+        </a:xfrm>
+      </p:grpSpPr>
+      <p:sp>
+        <p:nvSpPr>
+          <p:cNvPr id="2" name="Slide Image Placeholder 1"/>
+          <p:cNvSpPr>
+            <a:spLocks noGrp="1" noRot="1" noChangeAspect="1"/>
+          </p:cNvSpPr>
+          <p:nvPr>
+            <p:ph type="sldImg"/>
+          </p:nvPr>
+        </p:nvSpPr>
+        <p:spPr/>
+      </p:sp>
+      <p:sp>
+        <p:nvSpPr>
+          <p:cNvPr id="3" name="Notes Placeholder 2"/>
+          <p:cNvSpPr>
+            <a:spLocks noGrp="1"/>
+          </p:cNvSpPr>
+          <p:nvPr>
+            <p:ph type="body" idx="1"/>
+          </p:nvPr>
+        </p:nvSpPr>
+        <p:spPr/>
+        <p:txBody>
+          <a:bodyPr>
+            <a:normAutofit/>
+          </a:bodyPr>
+          <a:lstStyle/>
+          <a:p>
+            <a:endParaRPr lang="en-US"/>
+          </a:p>
+        </p:txBody>
+      </p:sp>
+      <p:sp>
+        <p:nvSpPr>
+          <p:cNvPr id="4" name="Slide Number Placeholder 3"/>
+          <p:cNvSpPr>
+            <a:spLocks noGrp="1"/>
+          </p:cNvSpPr>
+          <p:nvPr>
+            <p:ph type="sldNum" sz="quarter" idx="10"/>
+          </p:nvPr>
+        </p:nvSpPr>
+        <p:spPr/>
+        <p:txBody>
+          <a:bodyPr/>
+          <a:lstStyle/>
+          <a:p>
+            <a:fld id="{5257B995-136A-4A15-87A5-26420C3C1021}" type="slidenum">
+              <a:rPr lang="en-US" smtClean="0"/>
+              <a:pPr/>
+              <a:t>18</a:t>
+            </a:fld>
+            <a:endParaRPr lang="en-US"/>
+          </a:p>
+        </p:txBody>
+      </p:sp>
+    </p:spTree>
+    <p:extLst>
+      <p:ext uri="{BB962C8B-B14F-4D97-AF65-F5344CB8AC3E}">
+        <p14:creationId xmlns:p14="http://schemas.microsoft.com/office/powerpoint/2010/main" val="3694334810"/>
       </p:ext>
     </p:extLst>
   </p:cSld>
@@ -1408,7 +1849,7 @@
             <a:fld id="{5257B995-136A-4A15-87A5-26420C3C1021}" type="slidenum">
               <a:rPr lang="en-US" smtClean="0"/>
               <a:pPr/>
-              <a:t>8</a:t>
+              <a:t>7</a:t>
             </a:fld>
             <a:endParaRPr lang="en-US"/>
           </a:p>
@@ -1417,7 +1858,7 @@
     </p:spTree>
     <p:extLst>
       <p:ext uri="{BB962C8B-B14F-4D97-AF65-F5344CB8AC3E}">
-        <p14:creationId xmlns:p14="http://schemas.microsoft.com/office/powerpoint/2010/main" val="3937284324"/>
+        <p14:creationId xmlns:p14="http://schemas.microsoft.com/office/powerpoint/2010/main" val="3476464336"/>
       </p:ext>
     </p:extLst>
   </p:cSld>
@@ -1495,7 +1936,7 @@
             <a:fld id="{5257B995-136A-4A15-87A5-26420C3C1021}" type="slidenum">
               <a:rPr lang="en-US" smtClean="0"/>
               <a:pPr/>
-              <a:t>9</a:t>
+              <a:t>8</a:t>
             </a:fld>
             <a:endParaRPr lang="en-US"/>
           </a:p>
@@ -1504,7 +1945,7 @@
     </p:spTree>
     <p:extLst>
       <p:ext uri="{BB962C8B-B14F-4D97-AF65-F5344CB8AC3E}">
-        <p14:creationId xmlns:p14="http://schemas.microsoft.com/office/powerpoint/2010/main" val="3822894131"/>
+        <p14:creationId xmlns:p14="http://schemas.microsoft.com/office/powerpoint/2010/main" val="1127572717"/>
       </p:ext>
     </p:extLst>
   </p:cSld>
@@ -1582,7 +2023,7 @@
             <a:fld id="{5257B995-136A-4A15-87A5-26420C3C1021}" type="slidenum">
               <a:rPr lang="en-US" smtClean="0"/>
               <a:pPr/>
-              <a:t>10</a:t>
+              <a:t>11</a:t>
             </a:fld>
             <a:endParaRPr lang="en-US"/>
           </a:p>
@@ -1591,7 +2032,7 @@
     </p:spTree>
     <p:extLst>
       <p:ext uri="{BB962C8B-B14F-4D97-AF65-F5344CB8AC3E}">
-        <p14:creationId xmlns:p14="http://schemas.microsoft.com/office/powerpoint/2010/main" val="3413936148"/>
+        <p14:creationId xmlns:p14="http://schemas.microsoft.com/office/powerpoint/2010/main" val="3937284324"/>
       </p:ext>
     </p:extLst>
   </p:cSld>
@@ -8100,7 +8541,7 @@
       </p:grpSpPr>
       <p:sp>
         <p:nvSpPr>
-          <p:cNvPr id="2" name="Rectangle 1"/>
+          <p:cNvPr id="2" name="Title 1"/>
           <p:cNvSpPr>
             <a:spLocks noGrp="1"/>
           </p:cNvSpPr>
@@ -8114,21 +8555,36 @@
           <a:lstStyle/>
           <a:p>
             <a:r>
+              <a:rPr lang="en-US" dirty="0" err="1" smtClean="0"/>
+              <a:t>Ngrx</a:t>
+            </a:r>
+            <a:r>
               <a:rPr lang="en-US" dirty="0" smtClean="0"/>
-              <a:t>Redux – Key Benefits</a:t>
-            </a:r>
-            <a:endParaRPr lang="en-US" dirty="0"/>
-          </a:p>
-        </p:txBody>
-      </p:sp>
-      <p:sp>
-        <p:nvSpPr>
-          <p:cNvPr id="3" name="Rectangle 2"/>
-          <p:cNvSpPr>
-            <a:spLocks noGrp="1"/>
-          </p:cNvSpPr>
-          <p:nvPr>
-            <p:ph idx="1"/>
+              <a:t> is RxJS powered </a:t>
+            </a:r>
+            <a:r>
+              <a:rPr lang="en-US" dirty="0"/>
+              <a:t>state </a:t>
+            </a:r>
+            <a:r>
+              <a:rPr lang="en-US" dirty="0" smtClean="0"/>
+              <a:t>management framework </a:t>
+            </a:r>
+            <a:r>
+              <a:rPr lang="en-US" dirty="0"/>
+              <a:t>for Angular applications, inspired by Redux.</a:t>
+            </a:r>
+          </a:p>
+        </p:txBody>
+      </p:sp>
+      <p:sp>
+        <p:nvSpPr>
+          <p:cNvPr id="3" name="Text Placeholder 2"/>
+          <p:cNvSpPr>
+            <a:spLocks noGrp="1"/>
+          </p:cNvSpPr>
+          <p:nvPr>
+            <p:ph type="body" sz="half" idx="2"/>
           </p:nvPr>
         </p:nvSpPr>
         <p:spPr/>
@@ -8138,19 +8594,7 @@
           <a:p>
             <a:r>
               <a:rPr lang="en-US" dirty="0" smtClean="0"/>
-              <a:t>Maintain the state of UI such as keeping the sidebar opened or closed when changing routes</a:t>
-            </a:r>
-          </a:p>
-          <a:p>
-            <a:r>
-              <a:rPr lang="en-US" dirty="0" smtClean="0"/>
-              <a:t>Control the UI from any point of the application without worrying about how components are related and how to inject a specific service</a:t>
-            </a:r>
-          </a:p>
-          <a:p>
-            <a:r>
-              <a:rPr lang="en-US" dirty="0" smtClean="0"/>
-              <a:t>Chain UI-layout specific actions with other events as saving data server-side or changing a route</a:t>
+              <a:t>.</a:t>
             </a:r>
             <a:endParaRPr lang="en-US" dirty="0"/>
           </a:p>
@@ -8159,7 +8603,7 @@
     </p:spTree>
     <p:extLst>
       <p:ext uri="{BB962C8B-B14F-4D97-AF65-F5344CB8AC3E}">
-        <p14:creationId xmlns:p14="http://schemas.microsoft.com/office/powerpoint/2010/main" val="369933662"/>
+        <p14:creationId xmlns:p14="http://schemas.microsoft.com/office/powerpoint/2010/main" val="905717029"/>
       </p:ext>
     </p:extLst>
   </p:cSld>
@@ -8203,6 +8647,366 @@
             <p:ph type="title"/>
           </p:nvPr>
         </p:nvSpPr>
+        <p:spPr/>
+        <p:txBody>
+          <a:bodyPr/>
+          <a:lstStyle/>
+          <a:p>
+            <a:r>
+              <a:rPr lang="en-US" dirty="0" smtClean="0"/>
+              <a:t>Redux – Key Ideas</a:t>
+            </a:r>
+            <a:endParaRPr lang="en-US" dirty="0"/>
+          </a:p>
+        </p:txBody>
+      </p:sp>
+      <p:sp>
+        <p:nvSpPr>
+          <p:cNvPr id="3" name="Rectangle 2"/>
+          <p:cNvSpPr>
+            <a:spLocks noGrp="1"/>
+          </p:cNvSpPr>
+          <p:nvPr>
+            <p:ph idx="1"/>
+          </p:nvPr>
+        </p:nvSpPr>
+        <p:spPr/>
+        <p:txBody>
+          <a:bodyPr/>
+          <a:lstStyle/>
+          <a:p>
+            <a:r>
+              <a:rPr lang="en-US" dirty="0"/>
+              <a:t>All of your application’s data is in a single data structure called the state which is held in the </a:t>
+            </a:r>
+            <a:r>
+              <a:rPr lang="en-US" dirty="0" smtClean="0"/>
+              <a:t>store</a:t>
+            </a:r>
+          </a:p>
+          <a:p>
+            <a:r>
+              <a:rPr lang="en-US" dirty="0"/>
+              <a:t>Your app reads the state from this </a:t>
+            </a:r>
+            <a:r>
+              <a:rPr lang="en-US" dirty="0" smtClean="0"/>
+              <a:t>store</a:t>
+            </a:r>
+          </a:p>
+          <a:p>
+            <a:r>
+              <a:rPr lang="en-US" dirty="0"/>
+              <a:t>This </a:t>
+            </a:r>
+            <a:r>
+              <a:rPr lang="en-US" b="1" dirty="0"/>
+              <a:t>store</a:t>
+            </a:r>
+            <a:r>
+              <a:rPr lang="en-US" dirty="0"/>
+              <a:t> is never mutated </a:t>
+            </a:r>
+            <a:r>
+              <a:rPr lang="en-US" dirty="0" smtClean="0"/>
+              <a:t>directly</a:t>
+            </a:r>
+          </a:p>
+          <a:p>
+            <a:r>
+              <a:rPr lang="en-US" dirty="0"/>
+              <a:t>Requests to change state have to go through a dispatcher</a:t>
+            </a:r>
+          </a:p>
+          <a:p>
+            <a:r>
+              <a:rPr lang="en-US" dirty="0" smtClean="0"/>
+              <a:t>User </a:t>
+            </a:r>
+            <a:r>
+              <a:rPr lang="en-US" dirty="0"/>
+              <a:t>interaction (and other code) fires </a:t>
+            </a:r>
+            <a:r>
+              <a:rPr lang="en-US" i="1" dirty="0"/>
+              <a:t>actions</a:t>
+            </a:r>
+            <a:r>
+              <a:rPr lang="en-US" dirty="0"/>
+              <a:t> which describe what </a:t>
+            </a:r>
+            <a:r>
+              <a:rPr lang="en-US" dirty="0" smtClean="0"/>
+              <a:t>happened</a:t>
+            </a:r>
+          </a:p>
+          <a:p>
+            <a:r>
+              <a:rPr lang="en-US" dirty="0"/>
+              <a:t>Functions, called reducers, get a chance to operate on the action</a:t>
+            </a:r>
+            <a:endParaRPr lang="en-US" dirty="0" smtClean="0"/>
+          </a:p>
+          <a:p>
+            <a:r>
+              <a:rPr lang="en-US" dirty="0"/>
+              <a:t>A </a:t>
+            </a:r>
+            <a:r>
+              <a:rPr lang="en-US" i="1" dirty="0"/>
+              <a:t>new state</a:t>
+            </a:r>
+            <a:r>
+              <a:rPr lang="en-US" dirty="0"/>
+              <a:t> is created by combining </a:t>
+            </a:r>
+            <a:r>
+              <a:rPr lang="en-US" dirty="0" smtClean="0"/>
+              <a:t>the</a:t>
+            </a:r>
+            <a:r>
+              <a:rPr lang="en-US" dirty="0"/>
+              <a:t> </a:t>
+            </a:r>
+            <a:r>
+              <a:rPr lang="en-US" b="1" dirty="0"/>
+              <a:t>old state</a:t>
+            </a:r>
+            <a:r>
+              <a:rPr lang="en-US" dirty="0"/>
+              <a:t> and the </a:t>
+            </a:r>
+            <a:r>
+              <a:rPr lang="en-US" b="1" dirty="0"/>
+              <a:t>action</a:t>
+            </a:r>
+            <a:r>
+              <a:rPr lang="en-US" dirty="0"/>
+              <a:t> by </a:t>
+            </a:r>
+            <a:r>
+              <a:rPr lang="en-US" dirty="0" smtClean="0"/>
+              <a:t>reducer</a:t>
+            </a:r>
+          </a:p>
+          <a:p>
+            <a:r>
+              <a:rPr lang="en-US" dirty="0"/>
+              <a:t>The store provides a stream of updates that can be watched by components needing to bind that data to the page or other components</a:t>
+            </a:r>
+          </a:p>
+        </p:txBody>
+      </p:sp>
+    </p:spTree>
+  </p:cSld>
+  <p:clrMapOvr>
+    <a:masterClrMapping/>
+  </p:clrMapOvr>
+  <p:timing>
+    <p:tnLst>
+      <p:par>
+        <p:cTn id="1" dur="indefinite" restart="never" nodeType="tmRoot"/>
+      </p:par>
+    </p:tnLst>
+  </p:timing>
+</p:sld>
+</file>
+
+<file path=ppt/slides/slide12.xml><?xml version="1.0" encoding="utf-8"?>
+<p:sld xmlns:a="http://schemas.openxmlformats.org/drawingml/2006/main" xmlns:r="http://schemas.openxmlformats.org/officeDocument/2006/relationships" xmlns:p="http://schemas.openxmlformats.org/presentationml/2006/main">
+  <p:cSld>
+    <p:spTree>
+      <p:nvGrpSpPr>
+        <p:cNvPr id="1" name=""/>
+        <p:cNvGrpSpPr/>
+        <p:nvPr/>
+      </p:nvGrpSpPr>
+      <p:grpSpPr>
+        <a:xfrm>
+          <a:off x="0" y="0"/>
+          <a:ext cx="0" cy="0"/>
+          <a:chOff x="0" y="0"/>
+          <a:chExt cx="0" cy="0"/>
+        </a:xfrm>
+      </p:grpSpPr>
+      <p:pic>
+        <p:nvPicPr>
+          <p:cNvPr id="2050" name="Picture 2" descr="Redux Core"/>
+          <p:cNvPicPr>
+            <a:picLocks noChangeAspect="1" noChangeArrowheads="1"/>
+          </p:cNvPicPr>
+          <p:nvPr/>
+        </p:nvPicPr>
+        <p:blipFill>
+          <a:blip r:embed="rId3">
+            <a:extLst>
+              <a:ext uri="{28A0092B-C50C-407E-A947-70E740481C1C}">
+                <a14:useLocalDpi xmlns:a14="http://schemas.microsoft.com/office/drawing/2010/main" val="0"/>
+              </a:ext>
+            </a:extLst>
+          </a:blip>
+          <a:srcRect/>
+          <a:stretch>
+            <a:fillRect/>
+          </a:stretch>
+        </p:blipFill>
+        <p:spPr bwMode="auto">
+          <a:xfrm>
+            <a:off x="1962341" y="1746766"/>
+            <a:ext cx="6886575" cy="3486151"/>
+          </a:xfrm>
+          <a:prstGeom prst="rect">
+            <a:avLst/>
+          </a:prstGeom>
+          <a:noFill/>
+          <a:extLst>
+            <a:ext uri="{909E8E84-426E-40DD-AFC4-6F175D3DCCD1}">
+              <a14:hiddenFill xmlns:a14="http://schemas.microsoft.com/office/drawing/2010/main">
+                <a:solidFill>
+                  <a:srgbClr val="FFFFFF"/>
+                </a:solidFill>
+              </a14:hiddenFill>
+            </a:ext>
+          </a:extLst>
+        </p:spPr>
+      </p:pic>
+    </p:spTree>
+  </p:cSld>
+  <p:clrMapOvr>
+    <a:masterClrMapping/>
+  </p:clrMapOvr>
+  <p:timing>
+    <p:tnLst>
+      <p:par>
+        <p:cTn id="1" dur="indefinite" restart="never" nodeType="tmRoot"/>
+      </p:par>
+    </p:tnLst>
+  </p:timing>
+</p:sld>
+</file>
+
+<file path=ppt/slides/slide13.xml><?xml version="1.0" encoding="utf-8"?>
+<p:sld xmlns:a="http://schemas.openxmlformats.org/drawingml/2006/main" xmlns:r="http://schemas.openxmlformats.org/officeDocument/2006/relationships" xmlns:p="http://schemas.openxmlformats.org/presentationml/2006/main">
+  <p:cSld>
+    <p:spTree>
+      <p:nvGrpSpPr>
+        <p:cNvPr id="1" name=""/>
+        <p:cNvGrpSpPr/>
+        <p:nvPr/>
+      </p:nvGrpSpPr>
+      <p:grpSpPr>
+        <a:xfrm>
+          <a:off x="0" y="0"/>
+          <a:ext cx="0" cy="0"/>
+          <a:chOff x="0" y="0"/>
+          <a:chExt cx="0" cy="0"/>
+        </a:xfrm>
+      </p:grpSpPr>
+      <p:sp>
+        <p:nvSpPr>
+          <p:cNvPr id="2" name="Rectangle 1"/>
+          <p:cNvSpPr>
+            <a:spLocks noGrp="1"/>
+          </p:cNvSpPr>
+          <p:nvPr>
+            <p:ph type="title"/>
+          </p:nvPr>
+        </p:nvSpPr>
+        <p:spPr/>
+        <p:txBody>
+          <a:bodyPr/>
+          <a:lstStyle/>
+          <a:p>
+            <a:r>
+              <a:rPr lang="en-US" dirty="0" smtClean="0"/>
+              <a:t>Redux – Key Benefits</a:t>
+            </a:r>
+            <a:endParaRPr lang="en-US" dirty="0"/>
+          </a:p>
+        </p:txBody>
+      </p:sp>
+      <p:sp>
+        <p:nvSpPr>
+          <p:cNvPr id="3" name="Rectangle 2"/>
+          <p:cNvSpPr>
+            <a:spLocks noGrp="1"/>
+          </p:cNvSpPr>
+          <p:nvPr>
+            <p:ph idx="1"/>
+          </p:nvPr>
+        </p:nvSpPr>
+        <p:spPr/>
+        <p:txBody>
+          <a:bodyPr/>
+          <a:lstStyle/>
+          <a:p>
+            <a:r>
+              <a:rPr lang="en-US" dirty="0" smtClean="0"/>
+              <a:t>Maintain the state of UI such as keeping the sidebar opened or closed when changing routes</a:t>
+            </a:r>
+          </a:p>
+          <a:p>
+            <a:r>
+              <a:rPr lang="en-US" dirty="0" smtClean="0"/>
+              <a:t>Control the UI from any point of the application without worrying about how components are related and how to inject a specific service</a:t>
+            </a:r>
+          </a:p>
+          <a:p>
+            <a:r>
+              <a:rPr lang="en-US" dirty="0" smtClean="0"/>
+              <a:t>Chain UI-layout specific actions with other events as saving data server-side or changing a route</a:t>
+            </a:r>
+            <a:endParaRPr lang="en-US" dirty="0"/>
+          </a:p>
+        </p:txBody>
+      </p:sp>
+    </p:spTree>
+    <p:extLst>
+      <p:ext uri="{BB962C8B-B14F-4D97-AF65-F5344CB8AC3E}">
+        <p14:creationId xmlns:p14="http://schemas.microsoft.com/office/powerpoint/2010/main" val="369933662"/>
+      </p:ext>
+    </p:extLst>
+  </p:cSld>
+  <p:clrMapOvr>
+    <a:masterClrMapping/>
+  </p:clrMapOvr>
+  <p:timing>
+    <p:tnLst>
+      <p:par>
+        <p:cTn id="1" dur="indefinite" restart="never" nodeType="tmRoot"/>
+      </p:par>
+    </p:tnLst>
+  </p:timing>
+</p:sld>
+</file>
+
+<file path=ppt/slides/slide14.xml><?xml version="1.0" encoding="utf-8"?>
+<p:sld xmlns:a="http://schemas.openxmlformats.org/drawingml/2006/main" xmlns:r="http://schemas.openxmlformats.org/officeDocument/2006/relationships" xmlns:p="http://schemas.openxmlformats.org/presentationml/2006/main">
+  <p:cSld>
+    <p:spTree>
+      <p:nvGrpSpPr>
+        <p:cNvPr id="1" name=""/>
+        <p:cNvGrpSpPr/>
+        <p:nvPr/>
+      </p:nvGrpSpPr>
+      <p:grpSpPr>
+        <a:xfrm>
+          <a:off x="0" y="0"/>
+          <a:ext cx="0" cy="0"/>
+          <a:chOff x="0" y="0"/>
+          <a:chExt cx="0" cy="0"/>
+        </a:xfrm>
+      </p:grpSpPr>
+      <p:sp>
+        <p:nvSpPr>
+          <p:cNvPr id="2" name="Rectangle 1"/>
+          <p:cNvSpPr>
+            <a:spLocks noGrp="1"/>
+          </p:cNvSpPr>
+          <p:nvPr>
+            <p:ph type="title"/>
+          </p:nvPr>
+        </p:nvSpPr>
         <p:spPr>
           <a:xfrm>
             <a:off x="646111" y="452718"/>
@@ -8254,13 +9058,13 @@
               <a:t>ngrx</a:t>
             </a:r>
             <a:r>
-              <a:rPr lang="en-US" smtClean="0"/>
+              <a:rPr lang="en-US" dirty="0" smtClean="0"/>
               <a:t>/store</a:t>
             </a:r>
           </a:p>
           <a:p>
             <a:r>
-              <a:rPr lang="en-US" smtClean="0"/>
+              <a:rPr lang="en-US" dirty="0" smtClean="0"/>
               <a:t>ng2-redux</a:t>
             </a:r>
             <a:endParaRPr lang="en-US" dirty="0"/>
@@ -8388,7 +9192,7 @@
         </p:spPr>
         <p:txBody>
           <a:bodyPr vert="horz" lIns="91440" tIns="45720" rIns="91440" bIns="45720" rtlCol="0">
-            <a:normAutofit/>
+            <a:normAutofit fontScale="92500"/>
           </a:bodyPr>
           <a:lstStyle>
             <a:lvl1pPr marL="342900" indent="-342900" algn="l" defTabSz="457200" rtl="0" eaLnBrk="1" latinLnBrk="0" hangingPunct="1">
@@ -8628,7 +9432,11 @@
             </a:r>
             <a:r>
               <a:rPr lang="en-US" dirty="0" smtClean="0"/>
-              <a:t>/store is a standalone implementation of Redux pattern </a:t>
+              <a:t>/store is a standalone implementation of Redux </a:t>
+            </a:r>
+            <a:r>
+              <a:rPr lang="en-US" dirty="0" smtClean="0"/>
+              <a:t>pattern which is heavily Observable based </a:t>
             </a:r>
             <a:r>
               <a:rPr lang="en-US" dirty="0" err="1" smtClean="0"/>
@@ -8642,7 +9450,7 @@
           <a:p>
             <a:r>
               <a:rPr lang="en-US" dirty="0" smtClean="0"/>
-              <a:t>ng2-redux is dependent on redux library for JavaScript</a:t>
+              <a:t>Angular2-redux/ng2-redux uses redux itself as a dependency and adds some angular helpers</a:t>
             </a:r>
             <a:endParaRPr lang="en-US" dirty="0"/>
           </a:p>
@@ -8668,7 +9476,7 @@
 </p:sld>
 </file>
 
-<file path=ppt/slides/slide12.xml><?xml version="1.0" encoding="utf-8"?>
+<file path=ppt/slides/slide15.xml><?xml version="1.0" encoding="utf-8"?>
 <p:sld xmlns:a="http://schemas.openxmlformats.org/drawingml/2006/main" xmlns:r="http://schemas.openxmlformats.org/officeDocument/2006/relationships" xmlns:p="http://schemas.openxmlformats.org/presentationml/2006/main">
   <p:cSld>
     <p:spTree>
@@ -8723,6 +9531,58 @@
           <a:bodyPr/>
           <a:lstStyle/>
           <a:p>
+            <a:r>
+              <a:rPr lang="en-US" dirty="0" smtClean="0"/>
+              <a:t>@</a:t>
+            </a:r>
+            <a:r>
+              <a:rPr lang="en-US" dirty="0" err="1" smtClean="0"/>
+              <a:t>ngrx</a:t>
+            </a:r>
+            <a:r>
+              <a:rPr lang="en-US" dirty="0" smtClean="0"/>
+              <a:t>/store</a:t>
+            </a:r>
+          </a:p>
+          <a:p>
+            <a:r>
+              <a:rPr lang="en-US" dirty="0" smtClean="0"/>
+              <a:t>@</a:t>
+            </a:r>
+            <a:r>
+              <a:rPr lang="en-US" dirty="0" err="1" smtClean="0"/>
+              <a:t>ngrx</a:t>
+            </a:r>
+            <a:r>
+              <a:rPr lang="en-US" dirty="0" smtClean="0"/>
+              <a:t>/effects</a:t>
+            </a:r>
+          </a:p>
+          <a:p>
+            <a:r>
+              <a:rPr lang="en-US" dirty="0"/>
+              <a:t>r</a:t>
+            </a:r>
+            <a:r>
+              <a:rPr lang="en-US" dirty="0" smtClean="0"/>
+              <a:t>eselect</a:t>
+            </a:r>
+          </a:p>
+          <a:p>
+            <a:r>
+              <a:rPr lang="en-US" dirty="0" err="1"/>
+              <a:t>r</a:t>
+            </a:r>
+            <a:r>
+              <a:rPr lang="en-US" dirty="0" err="1" smtClean="0"/>
+              <a:t>grx</a:t>
+            </a:r>
+            <a:r>
+              <a:rPr lang="en-US" dirty="0" smtClean="0"/>
+              <a:t>-store-logger</a:t>
+            </a:r>
+          </a:p>
+          <a:p>
             <a:endParaRPr lang="en-US" dirty="0"/>
           </a:p>
         </p:txBody>
@@ -8731,6 +9591,464 @@
     <p:extLst>
       <p:ext uri="{BB962C8B-B14F-4D97-AF65-F5344CB8AC3E}">
         <p14:creationId xmlns:p14="http://schemas.microsoft.com/office/powerpoint/2010/main" val="2754960409"/>
+      </p:ext>
+    </p:extLst>
+  </p:cSld>
+  <p:clrMapOvr>
+    <a:masterClrMapping/>
+  </p:clrMapOvr>
+  <p:timing>
+    <p:tnLst>
+      <p:par>
+        <p:cTn id="1" dur="indefinite" restart="never" nodeType="tmRoot"/>
+      </p:par>
+    </p:tnLst>
+  </p:timing>
+</p:sld>
+</file>
+
+<file path=ppt/slides/slide16.xml><?xml version="1.0" encoding="utf-8"?>
+<p:sld xmlns:a="http://schemas.openxmlformats.org/drawingml/2006/main" xmlns:r="http://schemas.openxmlformats.org/officeDocument/2006/relationships" xmlns:p="http://schemas.openxmlformats.org/presentationml/2006/main">
+  <p:cSld>
+    <p:spTree>
+      <p:nvGrpSpPr>
+        <p:cNvPr id="1" name=""/>
+        <p:cNvGrpSpPr/>
+        <p:nvPr/>
+      </p:nvGrpSpPr>
+      <p:grpSpPr>
+        <a:xfrm>
+          <a:off x="0" y="0"/>
+          <a:ext cx="0" cy="0"/>
+          <a:chOff x="0" y="0"/>
+          <a:chExt cx="0" cy="0"/>
+        </a:xfrm>
+      </p:grpSpPr>
+      <p:sp>
+        <p:nvSpPr>
+          <p:cNvPr id="2" name="Rectangle 1"/>
+          <p:cNvSpPr>
+            <a:spLocks noGrp="1"/>
+          </p:cNvSpPr>
+          <p:nvPr>
+            <p:ph type="title"/>
+          </p:nvPr>
+        </p:nvSpPr>
+        <p:spPr/>
+        <p:txBody>
+          <a:bodyPr/>
+          <a:lstStyle/>
+          <a:p>
+            <a:r>
+              <a:rPr lang="en-US" dirty="0" smtClean="0"/>
+              <a:t>Action</a:t>
+            </a:r>
+            <a:br>
+              <a:rPr lang="en-US" dirty="0" smtClean="0"/>
+            </a:br>
+            <a:endParaRPr lang="en-US" dirty="0"/>
+          </a:p>
+        </p:txBody>
+      </p:sp>
+      <p:sp>
+        <p:nvSpPr>
+          <p:cNvPr id="3" name="Rectangle 2"/>
+          <p:cNvSpPr>
+            <a:spLocks noGrp="1"/>
+          </p:cNvSpPr>
+          <p:nvPr>
+            <p:ph idx="1"/>
+          </p:nvPr>
+        </p:nvSpPr>
+        <p:spPr>
+          <a:xfrm>
+            <a:off x="646111" y="1698692"/>
+            <a:ext cx="8946541" cy="2535558"/>
+          </a:xfrm>
+        </p:spPr>
+        <p:txBody>
+          <a:bodyPr/>
+          <a:lstStyle/>
+          <a:p>
+            <a:r>
+              <a:rPr lang="en-US" dirty="0"/>
+              <a:t> An action </a:t>
+            </a:r>
+            <a:r>
+              <a:rPr lang="en-US" dirty="0" smtClean="0"/>
+              <a:t>defines what to do</a:t>
+            </a:r>
+          </a:p>
+          <a:p>
+            <a:r>
+              <a:rPr lang="en-US" dirty="0" smtClean="0"/>
+              <a:t>Every Action has two properties, type: string,  and payload?: any</a:t>
+            </a:r>
+            <a:endParaRPr lang="en-US" dirty="0" smtClean="0"/>
+          </a:p>
+          <a:p>
+            <a:pPr marL="0" indent="0">
+              <a:buNone/>
+            </a:pPr>
+            <a:endParaRPr lang="en-US" dirty="0"/>
+          </a:p>
+        </p:txBody>
+      </p:sp>
+      <p:pic>
+        <p:nvPicPr>
+          <p:cNvPr id="4" name="Picture 3"/>
+          <p:cNvPicPr>
+            <a:picLocks noChangeAspect="1"/>
+          </p:cNvPicPr>
+          <p:nvPr/>
+        </p:nvPicPr>
+        <p:blipFill rotWithShape="1">
+          <a:blip r:embed="rId3"/>
+          <a:srcRect l="2000" t="12078" b="8583"/>
+          <a:stretch/>
+        </p:blipFill>
+        <p:spPr>
+          <a:xfrm>
+            <a:off x="766119" y="3155094"/>
+            <a:ext cx="5600700" cy="914400"/>
+          </a:xfrm>
+          <a:prstGeom prst="rect">
+            <a:avLst/>
+          </a:prstGeom>
+        </p:spPr>
+      </p:pic>
+    </p:spTree>
+    <p:extLst>
+      <p:ext uri="{BB962C8B-B14F-4D97-AF65-F5344CB8AC3E}">
+        <p14:creationId xmlns:p14="http://schemas.microsoft.com/office/powerpoint/2010/main" val="3248055181"/>
+      </p:ext>
+    </p:extLst>
+  </p:cSld>
+  <p:clrMapOvr>
+    <a:masterClrMapping/>
+  </p:clrMapOvr>
+  <p:timing>
+    <p:tnLst>
+      <p:par>
+        <p:cTn id="1" dur="indefinite" restart="never" nodeType="tmRoot"/>
+      </p:par>
+    </p:tnLst>
+  </p:timing>
+</p:sld>
+</file>
+
+<file path=ppt/slides/slide17.xml><?xml version="1.0" encoding="utf-8"?>
+<p:sld xmlns:a="http://schemas.openxmlformats.org/drawingml/2006/main" xmlns:r="http://schemas.openxmlformats.org/officeDocument/2006/relationships" xmlns:p="http://schemas.openxmlformats.org/presentationml/2006/main">
+  <p:cSld>
+    <p:spTree>
+      <p:nvGrpSpPr>
+        <p:cNvPr id="1" name=""/>
+        <p:cNvGrpSpPr/>
+        <p:nvPr/>
+      </p:nvGrpSpPr>
+      <p:grpSpPr>
+        <a:xfrm>
+          <a:off x="0" y="0"/>
+          <a:ext cx="0" cy="0"/>
+          <a:chOff x="0" y="0"/>
+          <a:chExt cx="0" cy="0"/>
+        </a:xfrm>
+      </p:grpSpPr>
+      <p:sp>
+        <p:nvSpPr>
+          <p:cNvPr id="2" name="Rectangle 1"/>
+          <p:cNvSpPr>
+            <a:spLocks noGrp="1"/>
+          </p:cNvSpPr>
+          <p:nvPr>
+            <p:ph type="title"/>
+          </p:nvPr>
+        </p:nvSpPr>
+        <p:spPr>
+          <a:xfrm>
+            <a:off x="646111" y="452718"/>
+            <a:ext cx="9404723" cy="1081218"/>
+          </a:xfrm>
+        </p:spPr>
+        <p:txBody>
+          <a:bodyPr/>
+          <a:lstStyle/>
+          <a:p>
+            <a:r>
+              <a:rPr lang="en-US" dirty="0" smtClean="0"/>
+              <a:t>Reducers</a:t>
+            </a:r>
+            <a:br>
+              <a:rPr lang="en-US" dirty="0" smtClean="0"/>
+            </a:br>
+            <a:endParaRPr lang="en-US" dirty="0"/>
+          </a:p>
+        </p:txBody>
+      </p:sp>
+      <p:sp>
+        <p:nvSpPr>
+          <p:cNvPr id="3" name="Rectangle 2"/>
+          <p:cNvSpPr>
+            <a:spLocks noGrp="1"/>
+          </p:cNvSpPr>
+          <p:nvPr>
+            <p:ph idx="1"/>
+          </p:nvPr>
+        </p:nvSpPr>
+        <p:spPr>
+          <a:xfrm>
+            <a:off x="646111" y="1402130"/>
+            <a:ext cx="8946541" cy="1983622"/>
+          </a:xfrm>
+        </p:spPr>
+        <p:txBody>
+          <a:bodyPr>
+            <a:normAutofit/>
+          </a:bodyPr>
+          <a:lstStyle/>
+          <a:p>
+            <a:r>
+              <a:rPr lang="en-US" dirty="0" smtClean="0"/>
+              <a:t>Reducers are pure function </a:t>
+            </a:r>
+          </a:p>
+          <a:p>
+            <a:pPr lvl="1"/>
+            <a:r>
+              <a:rPr lang="en-US" dirty="0" smtClean="0"/>
+              <a:t>Meaning that pure functions do not produce any side effects (like making an HTTP call)</a:t>
+            </a:r>
+          </a:p>
+          <a:p>
+            <a:r>
+              <a:rPr lang="en-US" dirty="0" smtClean="0"/>
+              <a:t>Given the state and action, reducer will produce a new state</a:t>
+            </a:r>
+          </a:p>
+          <a:p>
+            <a:r>
+              <a:rPr lang="en-US" dirty="0" smtClean="0"/>
+              <a:t>It is important for a reducer function not to mutate the arguments and return a new reference of the state</a:t>
+            </a:r>
+          </a:p>
+          <a:p>
+            <a:pPr marL="0" indent="0">
+              <a:buNone/>
+            </a:pPr>
+            <a:endParaRPr lang="en-US" dirty="0"/>
+          </a:p>
+        </p:txBody>
+      </p:sp>
+      <p:sp>
+        <p:nvSpPr>
+          <p:cNvPr id="5" name="TextBox 4"/>
+          <p:cNvSpPr txBox="1"/>
+          <p:nvPr/>
+        </p:nvSpPr>
+        <p:spPr>
+          <a:xfrm>
+            <a:off x="576649" y="3937686"/>
+            <a:ext cx="9819502" cy="1911179"/>
+          </a:xfrm>
+          <a:prstGeom prst="rect">
+            <a:avLst/>
+          </a:prstGeom>
+          <a:noFill/>
+        </p:spPr>
+        <p:txBody>
+          <a:bodyPr wrap="square" rtlCol="0">
+            <a:spAutoFit/>
+          </a:bodyPr>
+          <a:lstStyle/>
+          <a:p>
+            <a:endParaRPr lang="en-US" dirty="0"/>
+          </a:p>
+        </p:txBody>
+      </p:sp>
+    </p:spTree>
+    <p:extLst>
+      <p:ext uri="{BB962C8B-B14F-4D97-AF65-F5344CB8AC3E}">
+        <p14:creationId xmlns:p14="http://schemas.microsoft.com/office/powerpoint/2010/main" val="3196256371"/>
+      </p:ext>
+    </p:extLst>
+  </p:cSld>
+  <p:clrMapOvr>
+    <a:masterClrMapping/>
+  </p:clrMapOvr>
+  <p:timing>
+    <p:tnLst>
+      <p:par>
+        <p:cTn id="1" dur="indefinite" restart="never" nodeType="tmRoot"/>
+      </p:par>
+    </p:tnLst>
+  </p:timing>
+</p:sld>
+</file>
+
+<file path=ppt/slides/slide18.xml><?xml version="1.0" encoding="utf-8"?>
+<p:sld xmlns:a="http://schemas.openxmlformats.org/drawingml/2006/main" xmlns:r="http://schemas.openxmlformats.org/officeDocument/2006/relationships" xmlns:p="http://schemas.openxmlformats.org/presentationml/2006/main">
+  <p:cSld>
+    <p:spTree>
+      <p:nvGrpSpPr>
+        <p:cNvPr id="1" name=""/>
+        <p:cNvGrpSpPr/>
+        <p:nvPr/>
+      </p:nvGrpSpPr>
+      <p:grpSpPr>
+        <a:xfrm>
+          <a:off x="0" y="0"/>
+          <a:ext cx="0" cy="0"/>
+          <a:chOff x="0" y="0"/>
+          <a:chExt cx="0" cy="0"/>
+        </a:xfrm>
+      </p:grpSpPr>
+      <p:sp>
+        <p:nvSpPr>
+          <p:cNvPr id="2" name="Rectangle 1"/>
+          <p:cNvSpPr>
+            <a:spLocks noGrp="1"/>
+          </p:cNvSpPr>
+          <p:nvPr>
+            <p:ph type="title"/>
+          </p:nvPr>
+        </p:nvSpPr>
+        <p:spPr/>
+        <p:txBody>
+          <a:bodyPr/>
+          <a:lstStyle/>
+          <a:p>
+            <a:r>
+              <a:rPr lang="en-US" dirty="0" smtClean="0"/>
+              <a:t>Reference material</a:t>
+            </a:r>
+            <a:endParaRPr lang="en-US" dirty="0"/>
+          </a:p>
+        </p:txBody>
+      </p:sp>
+      <p:sp>
+        <p:nvSpPr>
+          <p:cNvPr id="3" name="Rectangle 2"/>
+          <p:cNvSpPr>
+            <a:spLocks noGrp="1"/>
+          </p:cNvSpPr>
+          <p:nvPr>
+            <p:ph idx="1"/>
+          </p:nvPr>
+        </p:nvSpPr>
+        <p:spPr/>
+        <p:txBody>
+          <a:bodyPr/>
+          <a:lstStyle/>
+          <a:p>
+            <a:r>
+              <a:rPr lang="en-US" dirty="0">
+                <a:hlinkClick r:id="rId3"/>
+              </a:rPr>
+              <a:t>http://redux.js.org</a:t>
+            </a:r>
+            <a:r>
+              <a:rPr lang="en-US" dirty="0" smtClean="0">
+                <a:hlinkClick r:id="rId3"/>
+              </a:rPr>
+              <a:t>/</a:t>
+            </a:r>
+            <a:endParaRPr lang="en-US" dirty="0" smtClean="0"/>
+          </a:p>
+          <a:p>
+            <a:r>
+              <a:rPr lang="en-US" dirty="0">
+                <a:hlinkClick r:id="rId4"/>
+              </a:rPr>
+              <a:t>http://blog.ng-book.com/introduction-to-redux-with-typescript-and-angular-2</a:t>
+            </a:r>
+            <a:r>
+              <a:rPr lang="en-US" dirty="0" smtClean="0">
+                <a:hlinkClick r:id="rId4"/>
+              </a:rPr>
+              <a:t>/</a:t>
+            </a:r>
+            <a:endParaRPr lang="en-US" dirty="0" smtClean="0"/>
+          </a:p>
+          <a:p>
+            <a:r>
+              <a:rPr lang="en-US" dirty="0">
+                <a:hlinkClick r:id="rId5"/>
+              </a:rPr>
+              <a:t>http://</a:t>
+            </a:r>
+            <a:r>
+              <a:rPr lang="en-US">
+                <a:hlinkClick r:id="rId5"/>
+              </a:rPr>
+              <a:t>onehungrymind.com/build-better-angular-2-application-redux-ngrx</a:t>
+            </a:r>
+            <a:r>
+              <a:rPr lang="en-US" smtClean="0">
+                <a:hlinkClick r:id="rId5"/>
+              </a:rPr>
+              <a:t>/</a:t>
+            </a:r>
+            <a:r>
+              <a:rPr lang="en-US" smtClean="0"/>
+              <a:t> </a:t>
+            </a:r>
+            <a:endParaRPr lang="en-US" dirty="0" smtClean="0"/>
+          </a:p>
+          <a:p>
+            <a:r>
+              <a:rPr lang="en-US" dirty="0">
+                <a:hlinkClick r:id="rId6"/>
+              </a:rPr>
+              <a:t>http://blog.rangle.io/managing-state-redux-angular</a:t>
+            </a:r>
+            <a:r>
+              <a:rPr lang="en-US" dirty="0" smtClean="0">
+                <a:hlinkClick r:id="rId6"/>
+              </a:rPr>
+              <a:t>/</a:t>
+            </a:r>
+            <a:endParaRPr lang="en-US" dirty="0" smtClean="0"/>
+          </a:p>
+          <a:p>
+            <a:r>
+              <a:rPr lang="en-US" dirty="0">
+                <a:hlinkClick r:id="rId7"/>
+              </a:rPr>
+              <a:t>https://</a:t>
+            </a:r>
+            <a:r>
+              <a:rPr lang="en-US" dirty="0" smtClean="0">
+                <a:hlinkClick r:id="rId7"/>
+              </a:rPr>
+              <a:t>www.slideshare.net/gilfink/redux-data-flow-with-angular-2</a:t>
+            </a:r>
+            <a:endParaRPr lang="en-US" dirty="0" smtClean="0"/>
+          </a:p>
+          <a:p>
+            <a:r>
+              <a:rPr lang="en-US" dirty="0">
+                <a:hlinkClick r:id="rId8"/>
+              </a:rPr>
+              <a:t>https://julienrenaux.fr/2017/02/16/from-redux-to-angular-ngrxstore</a:t>
+            </a:r>
+            <a:r>
+              <a:rPr lang="en-US" dirty="0" smtClean="0">
+                <a:hlinkClick r:id="rId8"/>
+              </a:rPr>
+              <a:t>/</a:t>
+            </a:r>
+            <a:r>
+              <a:rPr lang="en-US" dirty="0" smtClean="0"/>
+              <a:t> </a:t>
+            </a:r>
+            <a:endParaRPr lang="en-US" dirty="0"/>
+          </a:p>
+        </p:txBody>
+      </p:sp>
+    </p:spTree>
+    <p:extLst>
+      <p:ext uri="{BB962C8B-B14F-4D97-AF65-F5344CB8AC3E}">
+        <p14:creationId xmlns:p14="http://schemas.microsoft.com/office/powerpoint/2010/main" val="480844187"/>
       </p:ext>
     </p:extLst>
   </p:cSld>
@@ -9372,42 +10690,19 @@
           <a:chExt cx="0" cy="0"/>
         </a:xfrm>
       </p:grpSpPr>
-      <p:pic>
-        <p:nvPicPr>
-          <p:cNvPr id="2" name="Picture 1"/>
-          <p:cNvPicPr>
-            <a:picLocks noChangeAspect="1"/>
-          </p:cNvPicPr>
-          <p:nvPr/>
-        </p:nvPicPr>
-        <p:blipFill rotWithShape="1">
-          <a:blip r:embed="rId3"/>
-          <a:srcRect l="26488" t="38555" r="25541" b="3749"/>
-          <a:stretch/>
-        </p:blipFill>
+      <p:sp>
+        <p:nvSpPr>
+          <p:cNvPr id="5" name="Rectangle 1"/>
+          <p:cNvSpPr>
+            <a:spLocks noGrp="1"/>
+          </p:cNvSpPr>
+          <p:nvPr>
+            <p:ph type="title"/>
+          </p:nvPr>
+        </p:nvSpPr>
         <p:spPr>
           <a:xfrm>
-            <a:off x="2566930" y="1686804"/>
-            <a:ext cx="6136395" cy="4840934"/>
-          </a:xfrm>
-          <a:prstGeom prst="rect">
-            <a:avLst/>
-          </a:prstGeom>
-        </p:spPr>
-      </p:pic>
-      <p:sp>
-        <p:nvSpPr>
-          <p:cNvPr id="5" name="Rectangle 1"/>
-          <p:cNvSpPr>
-            <a:spLocks noGrp="1"/>
-          </p:cNvSpPr>
-          <p:nvPr>
-            <p:ph type="title"/>
-          </p:nvPr>
-        </p:nvSpPr>
-        <p:spPr>
-          <a:xfrm>
-            <a:off x="646111" y="452718"/>
+            <a:off x="695538" y="2561604"/>
             <a:ext cx="9404723" cy="1111677"/>
           </a:xfrm>
         </p:spPr>
@@ -9417,7 +10712,11 @@
           <a:p>
             <a:r>
               <a:rPr lang="en-US" dirty="0" smtClean="0"/>
-              <a:t>Then you make a small change and this</a:t>
+              <a:t>Then you make a small </a:t>
+            </a:r>
+            <a:r>
+              <a:rPr lang="en-US" dirty="0" smtClean="0"/>
+              <a:t>change</a:t>
             </a:r>
             <a:endParaRPr lang="en-US" dirty="0"/>
           </a:p>
@@ -9460,9 +10759,32 @@
           <a:chExt cx="0" cy="0"/>
         </a:xfrm>
       </p:grpSpPr>
-      <p:sp>
-        <p:nvSpPr>
-          <p:cNvPr id="2" name="Title 1"/>
+      <p:pic>
+        <p:nvPicPr>
+          <p:cNvPr id="2" name="Picture 1"/>
+          <p:cNvPicPr>
+            <a:picLocks noChangeAspect="1"/>
+          </p:cNvPicPr>
+          <p:nvPr/>
+        </p:nvPicPr>
+        <p:blipFill rotWithShape="1">
+          <a:blip r:embed="rId3"/>
+          <a:srcRect l="26488" t="38555" r="25541" b="3749"/>
+          <a:stretch/>
+        </p:blipFill>
+        <p:spPr>
+          <a:xfrm>
+            <a:off x="2566930" y="1686804"/>
+            <a:ext cx="6136395" cy="4840934"/>
+          </a:xfrm>
+          <a:prstGeom prst="rect">
+            <a:avLst/>
+          </a:prstGeom>
+        </p:spPr>
+      </p:pic>
+      <p:sp>
+        <p:nvSpPr>
+          <p:cNvPr id="5" name="Rectangle 1"/>
           <p:cNvSpPr>
             <a:spLocks noGrp="1"/>
           </p:cNvSpPr>
@@ -9470,52 +10792,19 @@
             <p:ph type="title"/>
           </p:nvPr>
         </p:nvSpPr>
-        <p:spPr/>
+        <p:spPr>
+          <a:xfrm>
+            <a:off x="646111" y="452718"/>
+            <a:ext cx="9404723" cy="1111677"/>
+          </a:xfrm>
+        </p:spPr>
         <p:txBody>
           <a:bodyPr/>
           <a:lstStyle/>
           <a:p>
             <a:r>
-              <a:rPr lang="en-US" dirty="0" err="1" smtClean="0"/>
-              <a:t>Ngrx</a:t>
-            </a:r>
-            <a:r>
               <a:rPr lang="en-US" dirty="0" smtClean="0"/>
-              <a:t> is RxJS powered </a:t>
-            </a:r>
-            <a:r>
-              <a:rPr lang="en-US" dirty="0"/>
-              <a:t>state </a:t>
-            </a:r>
-            <a:r>
-              <a:rPr lang="en-US" dirty="0" smtClean="0"/>
-              <a:t>management framework </a:t>
-            </a:r>
-            <a:r>
-              <a:rPr lang="en-US" dirty="0"/>
-              <a:t>for Angular applications, inspired by Redux.</a:t>
-            </a:r>
-          </a:p>
-        </p:txBody>
-      </p:sp>
-      <p:sp>
-        <p:nvSpPr>
-          <p:cNvPr id="3" name="Text Placeholder 2"/>
-          <p:cNvSpPr>
-            <a:spLocks noGrp="1"/>
-          </p:cNvSpPr>
-          <p:nvPr>
-            <p:ph type="body" sz="half" idx="2"/>
-          </p:nvPr>
-        </p:nvSpPr>
-        <p:spPr/>
-        <p:txBody>
-          <a:bodyPr/>
-          <a:lstStyle/>
-          <a:p>
-            <a:r>
-              <a:rPr lang="en-US" dirty="0" smtClean="0"/>
-              <a:t>.</a:t>
+              <a:t>Then you make a small change and this</a:t>
             </a:r>
             <a:endParaRPr lang="en-US" dirty="0"/>
           </a:p>
@@ -9524,13 +10813,20 @@
     </p:spTree>
     <p:extLst>
       <p:ext uri="{BB962C8B-B14F-4D97-AF65-F5344CB8AC3E}">
-        <p14:creationId xmlns:p14="http://schemas.microsoft.com/office/powerpoint/2010/main" val="3108204940"/>
+        <p14:creationId xmlns:p14="http://schemas.microsoft.com/office/powerpoint/2010/main" val="2105215371"/>
       </p:ext>
     </p:extLst>
   </p:cSld>
   <p:clrMapOvr>
     <a:masterClrMapping/>
   </p:clrMapOvr>
+  <p:timing>
+    <p:tnLst>
+      <p:par>
+        <p:cTn id="1" dur="indefinite" restart="never" nodeType="tmRoot"/>
+      </p:par>
+    </p:tnLst>
+  </p:timing>
 </p:sld>
 </file>
 
@@ -9551,169 +10847,36 @@
           <a:chExt cx="0" cy="0"/>
         </a:xfrm>
       </p:grpSpPr>
-      <p:sp>
-        <p:nvSpPr>
-          <p:cNvPr id="2" name="Rectangle 1"/>
-          <p:cNvSpPr>
-            <a:spLocks noGrp="1"/>
-          </p:cNvSpPr>
-          <p:nvPr>
-            <p:ph type="title"/>
-          </p:nvPr>
-        </p:nvSpPr>
-        <p:spPr/>
-        <p:txBody>
-          <a:bodyPr/>
-          <a:lstStyle/>
-          <a:p>
-            <a:r>
-              <a:rPr lang="en-US" dirty="0" smtClean="0"/>
-              <a:t>Redux – Key Ideas</a:t>
-            </a:r>
-            <a:endParaRPr lang="en-US" dirty="0"/>
-          </a:p>
-        </p:txBody>
-      </p:sp>
-      <p:sp>
-        <p:nvSpPr>
-          <p:cNvPr id="3" name="Rectangle 2"/>
-          <p:cNvSpPr>
-            <a:spLocks noGrp="1"/>
-          </p:cNvSpPr>
-          <p:nvPr>
-            <p:ph idx="1"/>
-          </p:nvPr>
-        </p:nvSpPr>
-        <p:spPr/>
-        <p:txBody>
-          <a:bodyPr/>
-          <a:lstStyle/>
-          <a:p>
-            <a:r>
-              <a:rPr lang="en-US" dirty="0"/>
-              <a:t>All of your application’s data is in a single data structure called the state which is held in the </a:t>
-            </a:r>
-            <a:r>
-              <a:rPr lang="en-US" dirty="0" smtClean="0"/>
-              <a:t>store</a:t>
-            </a:r>
-          </a:p>
-          <a:p>
-            <a:r>
-              <a:rPr lang="en-US" dirty="0"/>
-              <a:t>Your app reads the state from this </a:t>
-            </a:r>
-            <a:r>
-              <a:rPr lang="en-US" dirty="0" smtClean="0"/>
-              <a:t>store</a:t>
-            </a:r>
-          </a:p>
-          <a:p>
-            <a:r>
-              <a:rPr lang="en-US" dirty="0"/>
-              <a:t>This </a:t>
-            </a:r>
-            <a:r>
-              <a:rPr lang="en-US" b="1" dirty="0"/>
-              <a:t>store</a:t>
-            </a:r>
-            <a:r>
-              <a:rPr lang="en-US" dirty="0"/>
-              <a:t> is never mutated </a:t>
-            </a:r>
-            <a:r>
-              <a:rPr lang="en-US" dirty="0" smtClean="0"/>
-              <a:t>directly</a:t>
-            </a:r>
-          </a:p>
-          <a:p>
-            <a:r>
-              <a:rPr lang="en-US" dirty="0"/>
-              <a:t>Requests to change state have to go through a dispatcher</a:t>
-            </a:r>
-            <a:endParaRPr lang="en-US" dirty="0"/>
-          </a:p>
-          <a:p>
-            <a:r>
-              <a:rPr lang="en-US" dirty="0" smtClean="0"/>
-              <a:t>User </a:t>
-            </a:r>
-            <a:r>
-              <a:rPr lang="en-US" dirty="0"/>
-              <a:t>interaction (and other code) fires </a:t>
-            </a:r>
-            <a:r>
-              <a:rPr lang="en-US" i="1" dirty="0"/>
-              <a:t>actions</a:t>
-            </a:r>
-            <a:r>
-              <a:rPr lang="en-US" dirty="0"/>
-              <a:t> which describe what </a:t>
-            </a:r>
-            <a:r>
-              <a:rPr lang="en-US" dirty="0" smtClean="0"/>
-              <a:t>happened</a:t>
-            </a:r>
-          </a:p>
-          <a:p>
-            <a:r>
-              <a:rPr lang="en-US" dirty="0"/>
-              <a:t>Functions, called reducers, get a chance to operate on the action</a:t>
-            </a:r>
-            <a:endParaRPr lang="en-US" dirty="0" smtClean="0"/>
-          </a:p>
-          <a:p>
-            <a:r>
-              <a:rPr lang="en-US" dirty="0"/>
-              <a:t>A </a:t>
-            </a:r>
-            <a:r>
-              <a:rPr lang="en-US" i="1" dirty="0"/>
-              <a:t>new state</a:t>
-            </a:r>
-            <a:r>
-              <a:rPr lang="en-US" dirty="0"/>
-              <a:t> is created by combining </a:t>
-            </a:r>
-            <a:r>
-              <a:rPr lang="en-US" dirty="0" smtClean="0"/>
-              <a:t>the</a:t>
-            </a:r>
-            <a:r>
-              <a:rPr lang="en-US" dirty="0"/>
-              <a:t> </a:t>
-            </a:r>
-            <a:r>
-              <a:rPr lang="en-US" b="1" dirty="0"/>
-              <a:t>old state</a:t>
-            </a:r>
-            <a:r>
-              <a:rPr lang="en-US" dirty="0"/>
-              <a:t> and the </a:t>
-            </a:r>
-            <a:r>
-              <a:rPr lang="en-US" b="1" dirty="0"/>
-              <a:t>action</a:t>
-            </a:r>
-            <a:r>
-              <a:rPr lang="en-US" dirty="0"/>
-              <a:t> by </a:t>
-            </a:r>
-            <a:r>
-              <a:rPr lang="en-US" dirty="0" smtClean="0"/>
-              <a:t>reducer</a:t>
-            </a:r>
-          </a:p>
-          <a:p>
-            <a:r>
-              <a:rPr lang="en-US" dirty="0"/>
-              <a:t>The store provides a stream of updates that can be watched by components needing to bind that data to the page or other components</a:t>
-            </a:r>
-            <a:endParaRPr lang="en-US" dirty="0"/>
-          </a:p>
-        </p:txBody>
-      </p:sp>
+      <p:pic>
+        <p:nvPicPr>
+          <p:cNvPr id="3" name="Picture 2"/>
+          <p:cNvPicPr>
+            <a:picLocks noChangeAspect="1"/>
+          </p:cNvPicPr>
+          <p:nvPr/>
+        </p:nvPicPr>
+        <p:blipFill>
+          <a:blip r:embed="rId3"/>
+          <a:stretch>
+            <a:fillRect/>
+          </a:stretch>
+        </p:blipFill>
+        <p:spPr>
+          <a:xfrm>
+            <a:off x="2939235" y="1512931"/>
+            <a:ext cx="4352925" cy="4095750"/>
+          </a:xfrm>
+          <a:prstGeom prst="rect">
+            <a:avLst/>
+          </a:prstGeom>
+        </p:spPr>
+      </p:pic>
     </p:spTree>
+    <p:extLst>
+      <p:ext uri="{BB962C8B-B14F-4D97-AF65-F5344CB8AC3E}">
+        <p14:creationId xmlns:p14="http://schemas.microsoft.com/office/powerpoint/2010/main" val="796935668"/>
+      </p:ext>
+    </p:extLst>
   </p:cSld>
   <p:clrMapOvr>
     <a:masterClrMapping/>
@@ -9745,48 +10908,160 @@
           <a:chExt cx="0" cy="0"/>
         </a:xfrm>
       </p:grpSpPr>
-      <p:pic>
-        <p:nvPicPr>
-          <p:cNvPr id="2050" name="Picture 2" descr="Redux Core"/>
-          <p:cNvPicPr>
-            <a:picLocks noChangeAspect="1" noChangeArrowheads="1"/>
-          </p:cNvPicPr>
+      <p:sp>
+        <p:nvSpPr>
+          <p:cNvPr id="2" name="Title 1"/>
+          <p:cNvSpPr>
+            <a:spLocks noGrp="1"/>
+          </p:cNvSpPr>
+          <p:nvPr>
+            <p:ph type="title"/>
+          </p:nvPr>
+        </p:nvSpPr>
+        <p:spPr/>
+        <p:txBody>
+          <a:bodyPr/>
+          <a:lstStyle/>
+          <a:p>
+            <a:r>
+              <a:rPr lang="en-US" dirty="0"/>
+              <a:t>Redux is a predictable state container for JavaScript apps</a:t>
+            </a:r>
+            <a:endParaRPr lang="en-US" dirty="0"/>
+          </a:p>
+        </p:txBody>
+      </p:sp>
+      <p:sp>
+        <p:nvSpPr>
+          <p:cNvPr id="3" name="Text Placeholder 2"/>
+          <p:cNvSpPr>
+            <a:spLocks noGrp="1"/>
+          </p:cNvSpPr>
+          <p:nvPr>
+            <p:ph type="body" sz="half" idx="2"/>
+          </p:nvPr>
+        </p:nvSpPr>
+        <p:spPr/>
+        <p:txBody>
+          <a:bodyPr/>
+          <a:lstStyle/>
+          <a:p>
+            <a:r>
+              <a:rPr lang="en-US" dirty="0" smtClean="0"/>
+              <a:t>.</a:t>
+            </a:r>
+            <a:endParaRPr lang="en-US" dirty="0"/>
+          </a:p>
+        </p:txBody>
+      </p:sp>
+      <p:sp>
+        <p:nvSpPr>
+          <p:cNvPr id="4" name="Rectangle 1"/>
+          <p:cNvSpPr txBox="1">
+            <a:spLocks/>
+          </p:cNvSpPr>
           <p:nvPr/>
-        </p:nvPicPr>
-        <p:blipFill>
-          <a:blip r:embed="rId3">
-            <a:extLst>
-              <a:ext uri="{28A0092B-C50C-407E-A947-70E740481C1C}">
-                <a14:useLocalDpi xmlns:a14="http://schemas.microsoft.com/office/drawing/2010/main" val="0"/>
-              </a:ext>
-            </a:extLst>
-          </a:blip>
-          <a:srcRect/>
-          <a:stretch>
-            <a:fillRect/>
-          </a:stretch>
-        </p:blipFill>
-        <p:spPr bwMode="auto">
+        </p:nvSpPr>
+        <p:spPr>
           <a:xfrm>
-            <a:off x="1962341" y="1746766"/>
-            <a:ext cx="6886575" cy="3486151"/>
+            <a:off x="374262" y="106729"/>
+            <a:ext cx="9404723" cy="1400530"/>
           </a:xfrm>
           <a:prstGeom prst="rect">
             <a:avLst/>
           </a:prstGeom>
-          <a:noFill/>
-          <a:extLst>
-            <a:ext uri="{909E8E84-426E-40DD-AFC4-6F175D3DCCD1}">
-              <a14:hiddenFill xmlns:a14="http://schemas.microsoft.com/office/drawing/2010/main">
+        </p:spPr>
+        <p:txBody>
+          <a:bodyPr vert="horz" lIns="91440" tIns="45720" rIns="91440" bIns="45720" rtlCol="0" anchor="t">
+            <a:noAutofit/>
+          </a:bodyPr>
+          <a:lstStyle>
+            <a:lvl1pPr algn="l" defTabSz="457200" rtl="0" eaLnBrk="1" latinLnBrk="0" hangingPunct="1">
+              <a:spcBef>
+                <a:spcPct val="0"/>
+              </a:spcBef>
+              <a:buNone/>
+              <a:defRPr sz="4800" b="0" i="0" kern="1200">
                 <a:solidFill>
-                  <a:srgbClr val="FFFFFF"/>
+                  <a:schemeClr val="tx2"/>
                 </a:solidFill>
-              </a14:hiddenFill>
-            </a:ext>
-          </a:extLst>
-        </p:spPr>
-      </p:pic>
+                <a:latin typeface="+mj-lt"/>
+                <a:ea typeface="+mj-ea"/>
+                <a:cs typeface="+mj-cs"/>
+              </a:defRPr>
+            </a:lvl1pPr>
+            <a:lvl2pPr eaLnBrk="1" hangingPunct="1">
+              <a:defRPr>
+                <a:solidFill>
+                  <a:schemeClr val="tx2"/>
+                </a:solidFill>
+              </a:defRPr>
+            </a:lvl2pPr>
+            <a:lvl3pPr eaLnBrk="1" hangingPunct="1">
+              <a:defRPr>
+                <a:solidFill>
+                  <a:schemeClr val="tx2"/>
+                </a:solidFill>
+              </a:defRPr>
+            </a:lvl3pPr>
+            <a:lvl4pPr eaLnBrk="1" hangingPunct="1">
+              <a:defRPr>
+                <a:solidFill>
+                  <a:schemeClr val="tx2"/>
+                </a:solidFill>
+              </a:defRPr>
+            </a:lvl4pPr>
+            <a:lvl5pPr eaLnBrk="1" hangingPunct="1">
+              <a:defRPr>
+                <a:solidFill>
+                  <a:schemeClr val="tx2"/>
+                </a:solidFill>
+              </a:defRPr>
+            </a:lvl5pPr>
+            <a:lvl6pPr eaLnBrk="1" hangingPunct="1">
+              <a:defRPr>
+                <a:solidFill>
+                  <a:schemeClr val="tx2"/>
+                </a:solidFill>
+              </a:defRPr>
+            </a:lvl6pPr>
+            <a:lvl7pPr eaLnBrk="1" hangingPunct="1">
+              <a:defRPr>
+                <a:solidFill>
+                  <a:schemeClr val="tx2"/>
+                </a:solidFill>
+              </a:defRPr>
+            </a:lvl7pPr>
+            <a:lvl8pPr eaLnBrk="1" hangingPunct="1">
+              <a:defRPr>
+                <a:solidFill>
+                  <a:schemeClr val="tx2"/>
+                </a:solidFill>
+              </a:defRPr>
+            </a:lvl8pPr>
+            <a:lvl9pPr eaLnBrk="1" hangingPunct="1">
+              <a:defRPr>
+                <a:solidFill>
+                  <a:schemeClr val="tx2"/>
+                </a:solidFill>
+              </a:defRPr>
+            </a:lvl9pPr>
+          </a:lstStyle>
+          <a:p>
+            <a:r>
+              <a:rPr lang="en-US" dirty="0" smtClean="0"/>
+              <a:t>Redux?</a:t>
+            </a:r>
+            <a:endParaRPr lang="en-US" dirty="0"/>
+          </a:p>
+        </p:txBody>
+      </p:sp>
     </p:spTree>
+    <p:extLst>
+      <p:ext uri="{BB962C8B-B14F-4D97-AF65-F5344CB8AC3E}">
+        <p14:creationId xmlns:p14="http://schemas.microsoft.com/office/powerpoint/2010/main" val="3108204940"/>
+      </p:ext>
+    </p:extLst>
   </p:cSld>
   <p:clrMapOvr>
     <a:masterClrMapping/>

--- a/slidesAndImages/Introduction.pptx
+++ b/slidesAndImages/Introduction.pptx
@@ -217,7 +217,7 @@
           <a:p>
             <a:fld id="{2BCAFC7A-71DD-4C2C-B63D-60FDC7DD5449}" type="datetimeFigureOut">
               <a:rPr lang="en-US" smtClean="0"/>
-              <a:t>6/16/2017</a:t>
+              <a:t>6/19/2017</a:t>
             </a:fld>
             <a:endParaRPr lang="en-US"/>
           </a:p>
@@ -382,7 +382,7 @@
           <a:p>
             <a:fld id="{D85ECAFD-F005-4163-B10D-85806DC43F93}" type="datetimeFigureOut">
               <a:rPr lang="en-US" smtClean="0"/>
-              <a:t>6/16/2017</a:t>
+              <a:t>6/19/2017</a:t>
             </a:fld>
             <a:endParaRPr lang="en-US"/>
           </a:p>
@@ -2228,7 +2228,7 @@
           <a:p>
             <a:fld id="{4AAD347D-5ACD-4C99-B74B-A9C85AD731AF}" type="datetimeFigureOut">
               <a:rPr lang="en-US" smtClean="0"/>
-              <a:t>6/16/2017</a:t>
+              <a:t>6/19/2017</a:t>
             </a:fld>
             <a:endParaRPr lang="en-US"/>
           </a:p>
@@ -2498,7 +2498,7 @@
           <a:p>
             <a:fld id="{4509A250-FF31-4206-8172-F9D3106AACB1}" type="datetimeFigureOut">
               <a:rPr lang="en-US" smtClean="0"/>
-              <a:t>6/16/2017</a:t>
+              <a:t>6/19/2017</a:t>
             </a:fld>
             <a:endParaRPr lang="en-US" dirty="0"/>
           </a:p>
@@ -2620,7 +2620,7 @@
           <a:p>
             <a:fld id="{4509A250-FF31-4206-8172-F9D3106AACB1}" type="datetimeFigureOut">
               <a:rPr lang="en-US" smtClean="0"/>
-              <a:t>6/16/2017</a:t>
+              <a:t>6/19/2017</a:t>
             </a:fld>
             <a:endParaRPr lang="en-US" dirty="0"/>
           </a:p>
@@ -2809,7 +2809,7 @@
           <a:p>
             <a:fld id="{4509A250-FF31-4206-8172-F9D3106AACB1}" type="datetimeFigureOut">
               <a:rPr lang="en-US" smtClean="0"/>
-              <a:t>6/16/2017</a:t>
+              <a:t>6/19/2017</a:t>
             </a:fld>
             <a:endParaRPr lang="en-US" dirty="0"/>
           </a:p>
@@ -3260,7 +3260,7 @@
           <a:p>
             <a:fld id="{4509A250-FF31-4206-8172-F9D3106AACB1}" type="datetimeFigureOut">
               <a:rPr lang="en-US" smtClean="0"/>
-              <a:t>6/16/2017</a:t>
+              <a:t>6/19/2017</a:t>
             </a:fld>
             <a:endParaRPr lang="en-US" dirty="0"/>
           </a:p>
@@ -3382,7 +3382,7 @@
           <a:p>
             <a:fld id="{4509A250-FF31-4206-8172-F9D3106AACB1}" type="datetimeFigureOut">
               <a:rPr lang="en-US" smtClean="0"/>
-              <a:t>6/16/2017</a:t>
+              <a:t>6/19/2017</a:t>
             </a:fld>
             <a:endParaRPr lang="en-US" dirty="0"/>
           </a:p>
@@ -3677,7 +3677,7 @@
           <a:p>
             <a:fld id="{4509A250-FF31-4206-8172-F9D3106AACB1}" type="datetimeFigureOut">
               <a:rPr lang="en-US" smtClean="0"/>
-              <a:t>6/16/2017</a:t>
+              <a:t>6/19/2017</a:t>
             </a:fld>
             <a:endParaRPr lang="en-US" dirty="0"/>
           </a:p>
@@ -4439,7 +4439,7 @@
           <a:p>
             <a:fld id="{4509A250-FF31-4206-8172-F9D3106AACB1}" type="datetimeFigureOut">
               <a:rPr lang="en-US" smtClean="0"/>
-              <a:t>6/16/2017</a:t>
+              <a:t>6/19/2017</a:t>
             </a:fld>
             <a:endParaRPr lang="en-US" dirty="0"/>
           </a:p>
@@ -5294,7 +5294,7 @@
           <a:p>
             <a:fld id="{4509A250-FF31-4206-8172-F9D3106AACB1}" type="datetimeFigureOut">
               <a:rPr lang="en-US" smtClean="0"/>
-              <a:t>6/16/2017</a:t>
+              <a:t>6/19/2017</a:t>
             </a:fld>
             <a:endParaRPr lang="en-US" dirty="0"/>
           </a:p>
@@ -5459,7 +5459,7 @@
           <a:p>
             <a:fld id="{4509A250-FF31-4206-8172-F9D3106AACB1}" type="datetimeFigureOut">
               <a:rPr lang="en-US" smtClean="0"/>
-              <a:t>6/16/2017</a:t>
+              <a:t>6/19/2017</a:t>
             </a:fld>
             <a:endParaRPr lang="en-US" dirty="0"/>
           </a:p>
@@ -5634,7 +5634,7 @@
           <a:p>
             <a:fld id="{4509A250-FF31-4206-8172-F9D3106AACB1}" type="datetimeFigureOut">
               <a:rPr lang="en-US" smtClean="0"/>
-              <a:t>6/16/2017</a:t>
+              <a:t>6/19/2017</a:t>
             </a:fld>
             <a:endParaRPr lang="en-US" dirty="0"/>
           </a:p>
@@ -5799,7 +5799,7 @@
           <a:p>
             <a:fld id="{4509A250-FF31-4206-8172-F9D3106AACB1}" type="datetimeFigureOut">
               <a:rPr lang="en-US" smtClean="0"/>
-              <a:t>6/16/2017</a:t>
+              <a:t>6/19/2017</a:t>
             </a:fld>
             <a:endParaRPr lang="en-US" dirty="0"/>
           </a:p>
@@ -6041,7 +6041,7 @@
           <a:p>
             <a:fld id="{9796027F-7875-4030-9381-8BD8C4F21935}" type="datetimeFigureOut">
               <a:rPr lang="en-US" smtClean="0"/>
-              <a:t>6/16/2017</a:t>
+              <a:t>6/19/2017</a:t>
             </a:fld>
             <a:endParaRPr lang="en-US"/>
           </a:p>
@@ -6328,7 +6328,7 @@
           <a:p>
             <a:fld id="{9796027F-7875-4030-9381-8BD8C4F21935}" type="datetimeFigureOut">
               <a:rPr lang="en-US" smtClean="0"/>
-              <a:t>6/16/2017</a:t>
+              <a:t>6/19/2017</a:t>
             </a:fld>
             <a:endParaRPr lang="en-US"/>
           </a:p>
@@ -6767,7 +6767,7 @@
           <a:p>
             <a:fld id="{9796027F-7875-4030-9381-8BD8C4F21935}" type="datetimeFigureOut">
               <a:rPr lang="en-US" smtClean="0"/>
-              <a:t>6/16/2017</a:t>
+              <a:t>6/19/2017</a:t>
             </a:fld>
             <a:endParaRPr lang="en-US"/>
           </a:p>
@@ -6880,7 +6880,7 @@
           <a:p>
             <a:fld id="{4509A250-FF31-4206-8172-F9D3106AACB1}" type="datetimeFigureOut">
               <a:rPr lang="en-US" smtClean="0"/>
-              <a:t>6/16/2017</a:t>
+              <a:t>6/19/2017</a:t>
             </a:fld>
             <a:endParaRPr lang="en-US" dirty="0"/>
           </a:p>
@@ -6970,7 +6970,7 @@
           <a:p>
             <a:fld id="{4509A250-FF31-4206-8172-F9D3106AACB1}" type="datetimeFigureOut">
               <a:rPr lang="en-US" smtClean="0"/>
-              <a:t>6/16/2017</a:t>
+              <a:t>6/19/2017</a:t>
             </a:fld>
             <a:endParaRPr lang="en-US" dirty="0"/>
           </a:p>
@@ -7244,7 +7244,7 @@
           <a:p>
             <a:fld id="{4509A250-FF31-4206-8172-F9D3106AACB1}" type="datetimeFigureOut">
               <a:rPr lang="en-US" smtClean="0"/>
-              <a:t>6/16/2017</a:t>
+              <a:t>6/19/2017</a:t>
             </a:fld>
             <a:endParaRPr lang="en-US" dirty="0"/>
           </a:p>
@@ -7514,7 +7514,7 @@
           <a:p>
             <a:fld id="{4509A250-FF31-4206-8172-F9D3106AACB1}" type="datetimeFigureOut">
               <a:rPr lang="en-US" smtClean="0"/>
-              <a:t>6/16/2017</a:t>
+              <a:t>6/19/2017</a:t>
             </a:fld>
             <a:endParaRPr lang="en-US" dirty="0"/>
           </a:p>
@@ -7954,7 +7954,7 @@
           <a:p>
             <a:fld id="{4AAD347D-5ACD-4C99-B74B-A9C85AD731AF}" type="datetimeFigureOut">
               <a:rPr lang="en-US" smtClean="0"/>
-              <a:t>6/16/2017</a:t>
+              <a:t>6/19/2017</a:t>
             </a:fld>
             <a:endParaRPr lang="en-US"/>
           </a:p>
@@ -9432,11 +9432,7 @@
             </a:r>
             <a:r>
               <a:rPr lang="en-US" dirty="0" smtClean="0"/>
-              <a:t>/store is a standalone implementation of Redux </a:t>
-            </a:r>
-            <a:r>
-              <a:rPr lang="en-US" dirty="0" smtClean="0"/>
-              <a:t>pattern which is heavily Observable based </a:t>
+              <a:t>/store is a standalone implementation of Redux pattern which is heavily Observable based </a:t>
             </a:r>
             <a:r>
               <a:rPr lang="en-US" dirty="0" err="1" smtClean="0"/>
@@ -9662,8 +9658,8 @@
         </p:nvSpPr>
         <p:spPr>
           <a:xfrm>
-            <a:off x="646111" y="1698692"/>
-            <a:ext cx="8946541" cy="2535558"/>
+            <a:off x="646111" y="1237373"/>
+            <a:ext cx="8946541" cy="1967146"/>
           </a:xfrm>
         </p:spPr>
         <p:txBody>
@@ -9671,8 +9667,12 @@
           <a:lstStyle/>
           <a:p>
             <a:r>
+              <a:rPr lang="en-US" dirty="0" smtClean="0"/>
+              <a:t>An </a:t>
+            </a:r>
+            <a:r>
               <a:rPr lang="en-US" dirty="0"/>
-              <a:t> An action </a:t>
+              <a:t>action </a:t>
             </a:r>
             <a:r>
               <a:rPr lang="en-US" dirty="0" smtClean="0"/>
@@ -9684,7 +9684,6 @@
               <a:rPr lang="en-US" dirty="0" smtClean="0"/>
               <a:t>Every Action has two properties, type: string,  and payload?: any</a:t>
             </a:r>
-            <a:endParaRPr lang="en-US" dirty="0" smtClean="0"/>
           </a:p>
           <a:p>
             <a:pPr marL="0" indent="0">
@@ -9709,8 +9708,32 @@
         </p:blipFill>
         <p:spPr>
           <a:xfrm>
-            <a:off x="766119" y="3155094"/>
+            <a:off x="749643" y="2180703"/>
             <a:ext cx="5600700" cy="914400"/>
+          </a:xfrm>
+          <a:prstGeom prst="rect">
+            <a:avLst/>
+          </a:prstGeom>
+        </p:spPr>
+      </p:pic>
+      <p:pic>
+        <p:nvPicPr>
+          <p:cNvPr id="7" name="Picture 6"/>
+          <p:cNvPicPr>
+            <a:picLocks noChangeAspect="1"/>
+          </p:cNvPicPr>
+          <p:nvPr/>
+        </p:nvPicPr>
+        <p:blipFill>
+          <a:blip r:embed="rId4"/>
+          <a:stretch>
+            <a:fillRect/>
+          </a:stretch>
+        </p:blipFill>
+        <p:spPr>
+          <a:xfrm>
+            <a:off x="6453875" y="1328995"/>
+            <a:ext cx="5543550" cy="5172075"/>
           </a:xfrm>
           <a:prstGeom prst="rect">
             <a:avLst/>
@@ -9974,25 +9997,18 @@
               <a:rPr lang="en-US" dirty="0">
                 <a:hlinkClick r:id="rId5"/>
               </a:rPr>
-              <a:t>http://</a:t>
-            </a:r>
-            <a:r>
-              <a:rPr lang="en-US">
-                <a:hlinkClick r:id="rId5"/>
-              </a:rPr>
-              <a:t>onehungrymind.com/build-better-angular-2-application-redux-ngrx</a:t>
-            </a:r>
-            <a:r>
-              <a:rPr lang="en-US" smtClean="0">
+              <a:t>http://onehungrymind.com/build-better-angular-2-application-redux-ngrx</a:t>
+            </a:r>
+            <a:r>
+              <a:rPr lang="en-US" dirty="0" smtClean="0">
                 <a:hlinkClick r:id="rId5"/>
               </a:rPr>
               <a:t>/</a:t>
             </a:r>
             <a:r>
-              <a:rPr lang="en-US" smtClean="0"/>
+              <a:rPr lang="en-US" dirty="0" smtClean="0"/>
               <a:t> </a:t>
             </a:r>
-            <a:endParaRPr lang="en-US" dirty="0" smtClean="0"/>
           </a:p>
           <a:p>
             <a:r>
@@ -10037,9 +10053,24 @@
               </a:rPr>
               <a:t>/</a:t>
             </a:r>
+            <a:endParaRPr lang="en-US" dirty="0" smtClean="0"/>
+          </a:p>
+          <a:p>
+            <a:r>
+              <a:rPr lang="en-US" dirty="0">
+                <a:hlinkClick r:id="rId9"/>
+              </a:rPr>
+              <a:t>https://</a:t>
+            </a:r>
+            <a:r>
+              <a:rPr lang="en-US" dirty="0" smtClean="0">
+                <a:hlinkClick r:id="rId9"/>
+              </a:rPr>
+              <a:t>gist.github.com/btroncone/a6e4347326749f938510</a:t>
+            </a:r>
             <a:r>
               <a:rPr lang="en-US" dirty="0" smtClean="0"/>
-              <a:t> </a:t>
+              <a:t>  </a:t>
             </a:r>
             <a:endParaRPr lang="en-US" dirty="0"/>
           </a:p>
@@ -10712,11 +10743,7 @@
           <a:p>
             <a:r>
               <a:rPr lang="en-US" dirty="0" smtClean="0"/>
-              <a:t>Then you make a small </a:t>
-            </a:r>
-            <a:r>
-              <a:rPr lang="en-US" dirty="0" smtClean="0"/>
-              <a:t>change</a:t>
+              <a:t>Then you make a small change</a:t>
             </a:r>
             <a:endParaRPr lang="en-US" dirty="0"/>
           </a:p>
@@ -10927,7 +10954,6 @@
               <a:rPr lang="en-US" dirty="0"/>
               <a:t>Redux is a predictable state container for JavaScript apps</a:t>
             </a:r>
-            <a:endParaRPr lang="en-US" dirty="0"/>
           </a:p>
         </p:txBody>
       </p:sp>

--- a/slidesAndImages/Introduction.pptx
+++ b/slidesAndImages/Introduction.pptx
@@ -5,10 +5,10 @@
     <p:sldMasterId id="2147483648" r:id="rId2"/>
   </p:sldMasterIdLst>
   <p:notesMasterIdLst>
-    <p:notesMasterId r:id="rId21"/>
+    <p:notesMasterId r:id="rId23"/>
   </p:notesMasterIdLst>
   <p:handoutMasterIdLst>
-    <p:handoutMasterId r:id="rId22"/>
+    <p:handoutMasterId r:id="rId24"/>
   </p:handoutMasterIdLst>
   <p:sldIdLst>
     <p:sldId id="257" r:id="rId3"/>
@@ -27,8 +27,10 @@
     <p:sldId id="279" r:id="rId16"/>
     <p:sldId id="280" r:id="rId17"/>
     <p:sldId id="286" r:id="rId18"/>
-    <p:sldId id="287" r:id="rId19"/>
-    <p:sldId id="285" r:id="rId20"/>
+    <p:sldId id="288" r:id="rId19"/>
+    <p:sldId id="287" r:id="rId20"/>
+    <p:sldId id="285" r:id="rId21"/>
+    <p:sldId id="289" r:id="rId22"/>
   </p:sldIdLst>
   <p:sldSz cx="12192000" cy="6858000"/>
   <p:notesSz cx="7023100" cy="9309100"/>
@@ -129,7 +131,7 @@
   </p:defaultTextStyle>
   <p:extLst>
     <p:ext uri="{EFAFB233-063F-42B5-8137-9DF3F51BA10A}">
-      <p15:sldGuideLst xmlns:p15="http://schemas.microsoft.com/office/powerpoint/2012/main"/>
+      <p15:sldGuideLst xmlns:p15="http://schemas.microsoft.com/office/powerpoint/2012/main" xmlns=""/>
     </p:ext>
   </p:extLst>
 </p:presentation>
@@ -1249,7 +1251,7 @@
     </p:spTree>
     <p:extLst>
       <p:ext uri="{BB962C8B-B14F-4D97-AF65-F5344CB8AC3E}">
-        <p14:creationId xmlns:p14="http://schemas.microsoft.com/office/powerpoint/2010/main" val="133129688"/>
+        <p14:creationId xmlns:p14="http://schemas.microsoft.com/office/powerpoint/2010/main" val="844944702"/>
       </p:ext>
     </p:extLst>
   </p:cSld>
@@ -1328,6 +1330,180 @@
               <a:rPr lang="en-US" smtClean="0"/>
               <a:pPr/>
               <a:t>18</a:t>
+            </a:fld>
+            <a:endParaRPr lang="en-US"/>
+          </a:p>
+        </p:txBody>
+      </p:sp>
+    </p:spTree>
+    <p:extLst>
+      <p:ext uri="{BB962C8B-B14F-4D97-AF65-F5344CB8AC3E}">
+        <p14:creationId xmlns:p14="http://schemas.microsoft.com/office/powerpoint/2010/main" val="133129688"/>
+      </p:ext>
+    </p:extLst>
+  </p:cSld>
+  <p:clrMapOvr>
+    <a:masterClrMapping/>
+  </p:clrMapOvr>
+</p:notes>
+</file>
+
+<file path=ppt/notesSlides/notesSlide17.xml><?xml version="1.0" encoding="utf-8"?>
+<p:notes xmlns:a="http://schemas.openxmlformats.org/drawingml/2006/main" xmlns:r="http://schemas.openxmlformats.org/officeDocument/2006/relationships" xmlns:p="http://schemas.openxmlformats.org/presentationml/2006/main">
+  <p:cSld>
+    <p:spTree>
+      <p:nvGrpSpPr>
+        <p:cNvPr id="1" name=""/>
+        <p:cNvGrpSpPr/>
+        <p:nvPr/>
+      </p:nvGrpSpPr>
+      <p:grpSpPr>
+        <a:xfrm>
+          <a:off x="0" y="0"/>
+          <a:ext cx="0" cy="0"/>
+          <a:chOff x="0" y="0"/>
+          <a:chExt cx="0" cy="0"/>
+        </a:xfrm>
+      </p:grpSpPr>
+      <p:sp>
+        <p:nvSpPr>
+          <p:cNvPr id="2" name="Slide Image Placeholder 1"/>
+          <p:cNvSpPr>
+            <a:spLocks noGrp="1" noRot="1" noChangeAspect="1"/>
+          </p:cNvSpPr>
+          <p:nvPr>
+            <p:ph type="sldImg"/>
+          </p:nvPr>
+        </p:nvSpPr>
+        <p:spPr/>
+      </p:sp>
+      <p:sp>
+        <p:nvSpPr>
+          <p:cNvPr id="3" name="Notes Placeholder 2"/>
+          <p:cNvSpPr>
+            <a:spLocks noGrp="1"/>
+          </p:cNvSpPr>
+          <p:nvPr>
+            <p:ph type="body" idx="1"/>
+          </p:nvPr>
+        </p:nvSpPr>
+        <p:spPr/>
+        <p:txBody>
+          <a:bodyPr>
+            <a:normAutofit/>
+          </a:bodyPr>
+          <a:lstStyle/>
+          <a:p>
+            <a:endParaRPr lang="en-US"/>
+          </a:p>
+        </p:txBody>
+      </p:sp>
+      <p:sp>
+        <p:nvSpPr>
+          <p:cNvPr id="4" name="Slide Number Placeholder 3"/>
+          <p:cNvSpPr>
+            <a:spLocks noGrp="1"/>
+          </p:cNvSpPr>
+          <p:nvPr>
+            <p:ph type="sldNum" sz="quarter" idx="10"/>
+          </p:nvPr>
+        </p:nvSpPr>
+        <p:spPr/>
+        <p:txBody>
+          <a:bodyPr/>
+          <a:lstStyle/>
+          <a:p>
+            <a:fld id="{5257B995-136A-4A15-87A5-26420C3C1021}" type="slidenum">
+              <a:rPr lang="en-US" smtClean="0"/>
+              <a:pPr/>
+              <a:t>19</a:t>
+            </a:fld>
+            <a:endParaRPr lang="en-US"/>
+          </a:p>
+        </p:txBody>
+      </p:sp>
+    </p:spTree>
+    <p:extLst>
+      <p:ext uri="{BB962C8B-B14F-4D97-AF65-F5344CB8AC3E}">
+        <p14:creationId xmlns:p14="http://schemas.microsoft.com/office/powerpoint/2010/main" val="3694334810"/>
+      </p:ext>
+    </p:extLst>
+  </p:cSld>
+  <p:clrMapOvr>
+    <a:masterClrMapping/>
+  </p:clrMapOvr>
+</p:notes>
+</file>
+
+<file path=ppt/notesSlides/notesSlide18.xml><?xml version="1.0" encoding="utf-8"?>
+<p:notes xmlns:a="http://schemas.openxmlformats.org/drawingml/2006/main" xmlns:r="http://schemas.openxmlformats.org/officeDocument/2006/relationships" xmlns:p="http://schemas.openxmlformats.org/presentationml/2006/main">
+  <p:cSld>
+    <p:spTree>
+      <p:nvGrpSpPr>
+        <p:cNvPr id="1" name=""/>
+        <p:cNvGrpSpPr/>
+        <p:nvPr/>
+      </p:nvGrpSpPr>
+      <p:grpSpPr>
+        <a:xfrm>
+          <a:off x="0" y="0"/>
+          <a:ext cx="0" cy="0"/>
+          <a:chOff x="0" y="0"/>
+          <a:chExt cx="0" cy="0"/>
+        </a:xfrm>
+      </p:grpSpPr>
+      <p:sp>
+        <p:nvSpPr>
+          <p:cNvPr id="2" name="Slide Image Placeholder 1"/>
+          <p:cNvSpPr>
+            <a:spLocks noGrp="1" noRot="1" noChangeAspect="1"/>
+          </p:cNvSpPr>
+          <p:nvPr>
+            <p:ph type="sldImg"/>
+          </p:nvPr>
+        </p:nvSpPr>
+        <p:spPr/>
+      </p:sp>
+      <p:sp>
+        <p:nvSpPr>
+          <p:cNvPr id="3" name="Notes Placeholder 2"/>
+          <p:cNvSpPr>
+            <a:spLocks noGrp="1"/>
+          </p:cNvSpPr>
+          <p:nvPr>
+            <p:ph type="body" idx="1"/>
+          </p:nvPr>
+        </p:nvSpPr>
+        <p:spPr/>
+        <p:txBody>
+          <a:bodyPr>
+            <a:normAutofit/>
+          </a:bodyPr>
+          <a:lstStyle/>
+          <a:p>
+            <a:endParaRPr lang="en-US"/>
+          </a:p>
+        </p:txBody>
+      </p:sp>
+      <p:sp>
+        <p:nvSpPr>
+          <p:cNvPr id="4" name="Slide Number Placeholder 3"/>
+          <p:cNvSpPr>
+            <a:spLocks noGrp="1"/>
+          </p:cNvSpPr>
+          <p:nvPr>
+            <p:ph type="sldNum" sz="quarter" idx="10"/>
+          </p:nvPr>
+        </p:nvSpPr>
+        <p:spPr/>
+        <p:txBody>
+          <a:bodyPr/>
+          <a:lstStyle/>
+          <a:p>
+            <a:fld id="{5257B995-136A-4A15-87A5-26420C3C1021}" type="slidenum">
+              <a:rPr lang="en-US" smtClean="0"/>
+              <a:pPr/>
+              <a:t>20</a:t>
             </a:fld>
             <a:endParaRPr lang="en-US"/>
           </a:p>
@@ -8672,7 +8848,9 @@
         </p:nvSpPr>
         <p:spPr/>
         <p:txBody>
-          <a:bodyPr/>
+          <a:bodyPr>
+            <a:normAutofit fontScale="92500" lnSpcReduction="20000"/>
+          </a:bodyPr>
           <a:lstStyle/>
           <a:p>
             <a:r>
@@ -9192,7 +9370,7 @@
         </p:spPr>
         <p:txBody>
           <a:bodyPr vert="horz" lIns="91440" tIns="45720" rIns="91440" bIns="45720" rtlCol="0">
-            <a:normAutofit fontScale="92500"/>
+            <a:normAutofit fontScale="70000" lnSpcReduction="20000"/>
           </a:bodyPr>
           <a:lstStyle>
             <a:lvl1pPr marL="342900" indent="-342900" algn="l" defTabSz="457200" rtl="0" eaLnBrk="1" latinLnBrk="0" hangingPunct="1">
@@ -9637,6 +9815,160 @@
           <a:p>
             <a:r>
               <a:rPr lang="en-US" dirty="0" smtClean="0"/>
+              <a:t>Store</a:t>
+            </a:r>
+            <a:r>
+              <a:rPr lang="en-US" dirty="0" smtClean="0"/>
+              <a:t/>
+            </a:r>
+            <a:br>
+              <a:rPr lang="en-US" dirty="0" smtClean="0"/>
+            </a:br>
+            <a:endParaRPr lang="en-US" dirty="0"/>
+          </a:p>
+        </p:txBody>
+      </p:sp>
+      <p:sp>
+        <p:nvSpPr>
+          <p:cNvPr id="3" name="Rectangle 2"/>
+          <p:cNvSpPr>
+            <a:spLocks noGrp="1"/>
+          </p:cNvSpPr>
+          <p:nvPr>
+            <p:ph idx="1"/>
+          </p:nvPr>
+        </p:nvSpPr>
+        <p:spPr>
+          <a:xfrm>
+            <a:off x="646111" y="1237373"/>
+            <a:ext cx="8946541" cy="1252734"/>
+          </a:xfrm>
+        </p:spPr>
+        <p:txBody>
+          <a:bodyPr/>
+          <a:lstStyle/>
+          <a:p>
+            <a:r>
+              <a:rPr lang="en-US" dirty="0" smtClean="0"/>
+              <a:t>All the application specific data is stored in application store.</a:t>
+            </a:r>
+            <a:endParaRPr lang="en-US" dirty="0" smtClean="0"/>
+          </a:p>
+          <a:p>
+            <a:r>
+              <a:rPr lang="en-US" dirty="0" smtClean="0"/>
+              <a:t>Like a traditional database, it can be thought of as a single source of truth or a database.</a:t>
+            </a:r>
+            <a:endParaRPr lang="en-US" dirty="0" smtClean="0"/>
+          </a:p>
+        </p:txBody>
+      </p:sp>
+      <p:pic>
+        <p:nvPicPr>
+          <p:cNvPr id="1026" name="Picture 2"/>
+          <p:cNvPicPr>
+            <a:picLocks noChangeAspect="1" noChangeArrowheads="1"/>
+          </p:cNvPicPr>
+          <p:nvPr/>
+        </p:nvPicPr>
+        <p:blipFill rotWithShape="1">
+          <a:blip r:embed="rId3">
+            <a:extLst>
+              <a:ext uri="{28A0092B-C50C-407E-A947-70E740481C1C}">
+                <a14:useLocalDpi xmlns:a14="http://schemas.microsoft.com/office/drawing/2010/main" val="0"/>
+              </a:ext>
+            </a:extLst>
+          </a:blip>
+          <a:srcRect l="5559" t="3722" r="6037"/>
+          <a:stretch/>
+        </p:blipFill>
+        <p:spPr bwMode="auto">
+          <a:xfrm>
+            <a:off x="4433207" y="2796559"/>
+            <a:ext cx="4759779" cy="3735977"/>
+          </a:xfrm>
+          <a:prstGeom prst="rect">
+            <a:avLst/>
+          </a:prstGeom>
+          <a:noFill/>
+          <a:ln>
+            <a:noFill/>
+          </a:ln>
+          <a:extLst>
+            <a:ext uri="{909E8E84-426E-40DD-AFC4-6F175D3DCCD1}">
+              <a14:hiddenFill xmlns:a14="http://schemas.microsoft.com/office/drawing/2010/main">
+                <a:solidFill>
+                  <a:schemeClr val="accent1"/>
+                </a:solidFill>
+              </a14:hiddenFill>
+            </a:ext>
+            <a:ext uri="{91240B29-F687-4F45-9708-019B960494DF}">
+              <a14:hiddenLine xmlns:a14="http://schemas.microsoft.com/office/drawing/2010/main" w="9525">
+                <a:solidFill>
+                  <a:schemeClr val="tx1"/>
+                </a:solidFill>
+                <a:miter lim="800000"/>
+                <a:headEnd/>
+                <a:tailEnd/>
+              </a14:hiddenLine>
+            </a:ext>
+          </a:extLst>
+        </p:spPr>
+      </p:pic>
+    </p:spTree>
+    <p:extLst>
+      <p:ext uri="{BB962C8B-B14F-4D97-AF65-F5344CB8AC3E}">
+        <p14:creationId xmlns:p14="http://schemas.microsoft.com/office/powerpoint/2010/main" val="3248055181"/>
+      </p:ext>
+    </p:extLst>
+  </p:cSld>
+  <p:clrMapOvr>
+    <a:masterClrMapping/>
+  </p:clrMapOvr>
+  <p:timing>
+    <p:tnLst>
+      <p:par>
+        <p:cTn id="1" dur="indefinite" restart="never" nodeType="tmRoot"/>
+      </p:par>
+    </p:tnLst>
+  </p:timing>
+</p:sld>
+</file>
+
+<file path=ppt/slides/slide17.xml><?xml version="1.0" encoding="utf-8"?>
+<p:sld xmlns:a="http://schemas.openxmlformats.org/drawingml/2006/main" xmlns:r="http://schemas.openxmlformats.org/officeDocument/2006/relationships" xmlns:p="http://schemas.openxmlformats.org/presentationml/2006/main">
+  <p:cSld>
+    <p:spTree>
+      <p:nvGrpSpPr>
+        <p:cNvPr id="1" name=""/>
+        <p:cNvGrpSpPr/>
+        <p:nvPr/>
+      </p:nvGrpSpPr>
+      <p:grpSpPr>
+        <a:xfrm>
+          <a:off x="0" y="0"/>
+          <a:ext cx="0" cy="0"/>
+          <a:chOff x="0" y="0"/>
+          <a:chExt cx="0" cy="0"/>
+        </a:xfrm>
+      </p:grpSpPr>
+      <p:sp>
+        <p:nvSpPr>
+          <p:cNvPr id="2" name="Rectangle 1"/>
+          <p:cNvSpPr>
+            <a:spLocks noGrp="1"/>
+          </p:cNvSpPr>
+          <p:nvPr>
+            <p:ph type="title"/>
+          </p:nvPr>
+        </p:nvSpPr>
+        <p:spPr/>
+        <p:txBody>
+          <a:bodyPr/>
+          <a:lstStyle/>
+          <a:p>
+            <a:r>
+              <a:rPr lang="en-US" dirty="0" smtClean="0"/>
               <a:t>Action</a:t>
             </a:r>
             <a:br>
@@ -9743,7 +10075,7 @@
     </p:spTree>
     <p:extLst>
       <p:ext uri="{BB962C8B-B14F-4D97-AF65-F5344CB8AC3E}">
-        <p14:creationId xmlns:p14="http://schemas.microsoft.com/office/powerpoint/2010/main" val="3248055181"/>
+        <p14:creationId xmlns:p14="http://schemas.microsoft.com/office/powerpoint/2010/main" val="2744955010"/>
       </p:ext>
     </p:extLst>
   </p:cSld>
@@ -9760,7 +10092,7 @@
 </p:sld>
 </file>
 
-<file path=ppt/slides/slide17.xml><?xml version="1.0" encoding="utf-8"?>
+<file path=ppt/slides/slide18.xml><?xml version="1.0" encoding="utf-8"?>
 <p:sld xmlns:a="http://schemas.openxmlformats.org/drawingml/2006/main" xmlns:r="http://schemas.openxmlformats.org/officeDocument/2006/relationships" xmlns:p="http://schemas.openxmlformats.org/presentationml/2006/main">
   <p:cSld>
     <p:spTree>
@@ -9826,7 +10158,7 @@
         </p:spPr>
         <p:txBody>
           <a:bodyPr>
-            <a:normAutofit/>
+            <a:normAutofit fontScale="92500" lnSpcReduction="10000"/>
           </a:bodyPr>
           <a:lstStyle/>
           <a:p>
@@ -9888,6 +10220,60 @@
           </a:p>
         </p:txBody>
       </p:sp>
+      <p:pic>
+        <p:nvPicPr>
+          <p:cNvPr id="2050" name="Picture 2"/>
+          <p:cNvPicPr>
+            <a:picLocks noChangeAspect="1" noChangeArrowheads="1"/>
+          </p:cNvPicPr>
+          <p:nvPr/>
+        </p:nvPicPr>
+        <p:blipFill>
+          <a:blip r:embed="rId3">
+            <a:extLst>
+              <a:ext uri="{28A0092B-C50C-407E-A947-70E740481C1C}">
+                <a14:useLocalDpi xmlns:a14="http://schemas.microsoft.com/office/drawing/2010/main" val="0"/>
+              </a:ext>
+            </a:extLst>
+          </a:blip>
+          <a:srcRect/>
+          <a:stretch>
+            <a:fillRect/>
+          </a:stretch>
+        </p:blipFill>
+        <p:spPr bwMode="auto">
+          <a:xfrm>
+            <a:off x="1042987" y="3429000"/>
+            <a:ext cx="8886825" cy="3228975"/>
+          </a:xfrm>
+          <a:prstGeom prst="rect">
+            <a:avLst/>
+          </a:prstGeom>
+          <a:noFill/>
+          <a:ln>
+            <a:noFill/>
+          </a:ln>
+          <a:extLst>
+            <a:ext uri="{909E8E84-426E-40DD-AFC4-6F175D3DCCD1}">
+              <a14:hiddenFill xmlns:a14="http://schemas.microsoft.com/office/drawing/2010/main">
+                <a:solidFill>
+                  <a:schemeClr val="accent1"/>
+                </a:solidFill>
+              </a14:hiddenFill>
+            </a:ext>
+            <a:ext uri="{91240B29-F687-4F45-9708-019B960494DF}">
+              <a14:hiddenLine xmlns:a14="http://schemas.microsoft.com/office/drawing/2010/main" w="9525">
+                <a:solidFill>
+                  <a:schemeClr val="tx1"/>
+                </a:solidFill>
+                <a:miter lim="800000"/>
+                <a:headEnd/>
+                <a:tailEnd/>
+              </a14:hiddenLine>
+            </a:ext>
+          </a:extLst>
+        </p:spPr>
+      </p:pic>
     </p:spTree>
     <p:extLst>
       <p:ext uri="{BB962C8B-B14F-4D97-AF65-F5344CB8AC3E}">
@@ -9908,7 +10294,7 @@
 </p:sld>
 </file>
 
-<file path=ppt/slides/slide18.xml><?xml version="1.0" encoding="utf-8"?>
+<file path=ppt/slides/slide19.xml><?xml version="1.0" encoding="utf-8"?>
 <p:sld xmlns:a="http://schemas.openxmlformats.org/drawingml/2006/main" xmlns:r="http://schemas.openxmlformats.org/officeDocument/2006/relationships" xmlns:p="http://schemas.openxmlformats.org/presentationml/2006/main">
   <p:cSld>
     <p:spTree>
@@ -10202,6 +10588,86 @@
         </p:txBody>
       </p:sp>
     </p:spTree>
+  </p:cSld>
+  <p:clrMapOvr>
+    <a:masterClrMapping/>
+  </p:clrMapOvr>
+  <p:timing>
+    <p:tnLst>
+      <p:par>
+        <p:cTn id="1" dur="indefinite" restart="never" nodeType="tmRoot"/>
+      </p:par>
+    </p:tnLst>
+  </p:timing>
+</p:sld>
+</file>
+
+<file path=ppt/slides/slide20.xml><?xml version="1.0" encoding="utf-8"?>
+<p:sld xmlns:a="http://schemas.openxmlformats.org/drawingml/2006/main" xmlns:r="http://schemas.openxmlformats.org/officeDocument/2006/relationships" xmlns:p="http://schemas.openxmlformats.org/presentationml/2006/main">
+  <p:cSld>
+    <p:spTree>
+      <p:nvGrpSpPr>
+        <p:cNvPr id="1" name=""/>
+        <p:cNvGrpSpPr/>
+        <p:nvPr/>
+      </p:nvGrpSpPr>
+      <p:grpSpPr>
+        <a:xfrm>
+          <a:off x="0" y="0"/>
+          <a:ext cx="0" cy="0"/>
+          <a:chOff x="0" y="0"/>
+          <a:chExt cx="0" cy="0"/>
+        </a:xfrm>
+      </p:grpSpPr>
+      <p:sp>
+        <p:nvSpPr>
+          <p:cNvPr id="2" name="Rectangle 1"/>
+          <p:cNvSpPr>
+            <a:spLocks noGrp="1"/>
+          </p:cNvSpPr>
+          <p:nvPr>
+            <p:ph type="title"/>
+          </p:nvPr>
+        </p:nvSpPr>
+        <p:spPr>
+          <a:xfrm>
+            <a:off x="1070654" y="2085575"/>
+            <a:ext cx="9404723" cy="2755846"/>
+          </a:xfrm>
+        </p:spPr>
+        <p:txBody>
+          <a:bodyPr/>
+          <a:lstStyle/>
+          <a:p>
+            <a:pPr algn="ctr"/>
+            <a:r>
+              <a:rPr lang="en-US" dirty="0" smtClean="0"/>
+              <a:t>Thank You</a:t>
+            </a:r>
+            <a:br>
+              <a:rPr lang="en-US" dirty="0" smtClean="0"/>
+            </a:br>
+            <a:r>
+              <a:rPr lang="en-US" dirty="0" smtClean="0"/>
+              <a:t/>
+            </a:r>
+            <a:br>
+              <a:rPr lang="en-US" dirty="0" smtClean="0"/>
+            </a:br>
+            <a:r>
+              <a:rPr lang="en-US" dirty="0" smtClean="0"/>
+              <a:t>Questions?</a:t>
+            </a:r>
+            <a:endParaRPr lang="en-US" dirty="0"/>
+          </a:p>
+        </p:txBody>
+      </p:sp>
+    </p:spTree>
+    <p:extLst>
+      <p:ext uri="{BB962C8B-B14F-4D97-AF65-F5344CB8AC3E}">
+        <p14:creationId xmlns:p14="http://schemas.microsoft.com/office/powerpoint/2010/main" val="1174423016"/>
+      </p:ext>
+    </p:extLst>
   </p:cSld>
   <p:clrMapOvr>
     <a:masterClrMapping/>
@@ -11362,7 +11828,7 @@
   <a:extraClrSchemeLst/>
   <a:extLst>
     <a:ext uri="{05A4C25C-085E-4340-85A3-A5531E510DB2}">
-      <thm15:themeFamily xmlns:thm15="http://schemas.microsoft.com/office/thememl/2012/main" name="Ion" id="{B8441ADB-2E43-4AF7-B97A-BD870242C6A8}" vid="{292E63A9-BB86-4E3D-B92A-7223C6510D2E}"/>
+      <thm15:themeFamily xmlns:thm15="http://schemas.microsoft.com/office/thememl/2012/main" xmlns="" name="Ion" id="{B8441ADB-2E43-4AF7-B97A-BD870242C6A8}" vid="{292E63A9-BB86-4E3D-B92A-7223C6510D2E}"/>
     </a:ext>
   </a:extLst>
 </a:theme>
@@ -11623,7 +12089,7 @@
   <a:extraClrSchemeLst/>
   <a:extLst>
     <a:ext uri="{05A4C25C-085E-4340-85A3-A5531E510DB2}">
-      <thm15:themeFamily xmlns:thm15="http://schemas.microsoft.com/office/thememl/2012/main" name="Office Theme" id="{62F939B6-93AF-4DB8-9C6B-D6C7DFDC589F}" vid="{4A3C46E8-61CC-4603-A589-7422A47A8E4A}"/>
+      <thm15:themeFamily xmlns:thm15="http://schemas.microsoft.com/office/thememl/2012/main" xmlns="" name="Office Theme" id="{62F939B6-93AF-4DB8-9C6B-D6C7DFDC589F}" vid="{4A3C46E8-61CC-4603-A589-7422A47A8E4A}"/>
     </a:ext>
   </a:extLst>
 </a:theme>
@@ -11884,7 +12350,7 @@
   <a:extraClrSchemeLst/>
   <a:extLst>
     <a:ext uri="{05A4C25C-085E-4340-85A3-A5531E510DB2}">
-      <thm15:themeFamily xmlns:thm15="http://schemas.microsoft.com/office/thememl/2012/main" name="Office Theme" id="{62F939B6-93AF-4DB8-9C6B-D6C7DFDC589F}" vid="{4A3C46E8-61CC-4603-A589-7422A47A8E4A}"/>
+      <thm15:themeFamily xmlns:thm15="http://schemas.microsoft.com/office/thememl/2012/main" xmlns="" name="Office Theme" id="{62F939B6-93AF-4DB8-9C6B-D6C7DFDC589F}" vid="{4A3C46E8-61CC-4603-A589-7422A47A8E4A}"/>
     </a:ext>
   </a:extLst>
 </a:theme>

--- a/slidesAndImages/Introduction.pptx
+++ b/slidesAndImages/Introduction.pptx
@@ -219,7 +219,7 @@
           <a:p>
             <a:fld id="{2BCAFC7A-71DD-4C2C-B63D-60FDC7DD5449}" type="datetimeFigureOut">
               <a:rPr lang="en-US" smtClean="0"/>
-              <a:t>6/19/2017</a:t>
+              <a:t>6/20/2017</a:t>
             </a:fld>
             <a:endParaRPr lang="en-US"/>
           </a:p>
@@ -384,7 +384,7 @@
           <a:p>
             <a:fld id="{D85ECAFD-F005-4163-B10D-85806DC43F93}" type="datetimeFigureOut">
               <a:rPr lang="en-US" smtClean="0"/>
-              <a:t>6/19/2017</a:t>
+              <a:t>6/20/2017</a:t>
             </a:fld>
             <a:endParaRPr lang="en-US"/>
           </a:p>
@@ -2404,7 +2404,7 @@
           <a:p>
             <a:fld id="{4AAD347D-5ACD-4C99-B74B-A9C85AD731AF}" type="datetimeFigureOut">
               <a:rPr lang="en-US" smtClean="0"/>
-              <a:t>6/19/2017</a:t>
+              <a:t>6/20/2017</a:t>
             </a:fld>
             <a:endParaRPr lang="en-US"/>
           </a:p>
@@ -2674,7 +2674,7 @@
           <a:p>
             <a:fld id="{4509A250-FF31-4206-8172-F9D3106AACB1}" type="datetimeFigureOut">
               <a:rPr lang="en-US" smtClean="0"/>
-              <a:t>6/19/2017</a:t>
+              <a:t>6/20/2017</a:t>
             </a:fld>
             <a:endParaRPr lang="en-US" dirty="0"/>
           </a:p>
@@ -2796,7 +2796,7 @@
           <a:p>
             <a:fld id="{4509A250-FF31-4206-8172-F9D3106AACB1}" type="datetimeFigureOut">
               <a:rPr lang="en-US" smtClean="0"/>
-              <a:t>6/19/2017</a:t>
+              <a:t>6/20/2017</a:t>
             </a:fld>
             <a:endParaRPr lang="en-US" dirty="0"/>
           </a:p>
@@ -2985,7 +2985,7 @@
           <a:p>
             <a:fld id="{4509A250-FF31-4206-8172-F9D3106AACB1}" type="datetimeFigureOut">
               <a:rPr lang="en-US" smtClean="0"/>
-              <a:t>6/19/2017</a:t>
+              <a:t>6/20/2017</a:t>
             </a:fld>
             <a:endParaRPr lang="en-US" dirty="0"/>
           </a:p>
@@ -3436,7 +3436,7 @@
           <a:p>
             <a:fld id="{4509A250-FF31-4206-8172-F9D3106AACB1}" type="datetimeFigureOut">
               <a:rPr lang="en-US" smtClean="0"/>
-              <a:t>6/19/2017</a:t>
+              <a:t>6/20/2017</a:t>
             </a:fld>
             <a:endParaRPr lang="en-US" dirty="0"/>
           </a:p>
@@ -3558,7 +3558,7 @@
           <a:p>
             <a:fld id="{4509A250-FF31-4206-8172-F9D3106AACB1}" type="datetimeFigureOut">
               <a:rPr lang="en-US" smtClean="0"/>
-              <a:t>6/19/2017</a:t>
+              <a:t>6/20/2017</a:t>
             </a:fld>
             <a:endParaRPr lang="en-US" dirty="0"/>
           </a:p>
@@ -3853,7 +3853,7 @@
           <a:p>
             <a:fld id="{4509A250-FF31-4206-8172-F9D3106AACB1}" type="datetimeFigureOut">
               <a:rPr lang="en-US" smtClean="0"/>
-              <a:t>6/19/2017</a:t>
+              <a:t>6/20/2017</a:t>
             </a:fld>
             <a:endParaRPr lang="en-US" dirty="0"/>
           </a:p>
@@ -4615,7 +4615,7 @@
           <a:p>
             <a:fld id="{4509A250-FF31-4206-8172-F9D3106AACB1}" type="datetimeFigureOut">
               <a:rPr lang="en-US" smtClean="0"/>
-              <a:t>6/19/2017</a:t>
+              <a:t>6/20/2017</a:t>
             </a:fld>
             <a:endParaRPr lang="en-US" dirty="0"/>
           </a:p>
@@ -5470,7 +5470,7 @@
           <a:p>
             <a:fld id="{4509A250-FF31-4206-8172-F9D3106AACB1}" type="datetimeFigureOut">
               <a:rPr lang="en-US" smtClean="0"/>
-              <a:t>6/19/2017</a:t>
+              <a:t>6/20/2017</a:t>
             </a:fld>
             <a:endParaRPr lang="en-US" dirty="0"/>
           </a:p>
@@ -5635,7 +5635,7 @@
           <a:p>
             <a:fld id="{4509A250-FF31-4206-8172-F9D3106AACB1}" type="datetimeFigureOut">
               <a:rPr lang="en-US" smtClean="0"/>
-              <a:t>6/19/2017</a:t>
+              <a:t>6/20/2017</a:t>
             </a:fld>
             <a:endParaRPr lang="en-US" dirty="0"/>
           </a:p>
@@ -5810,7 +5810,7 @@
           <a:p>
             <a:fld id="{4509A250-FF31-4206-8172-F9D3106AACB1}" type="datetimeFigureOut">
               <a:rPr lang="en-US" smtClean="0"/>
-              <a:t>6/19/2017</a:t>
+              <a:t>6/20/2017</a:t>
             </a:fld>
             <a:endParaRPr lang="en-US" dirty="0"/>
           </a:p>
@@ -5975,7 +5975,7 @@
           <a:p>
             <a:fld id="{4509A250-FF31-4206-8172-F9D3106AACB1}" type="datetimeFigureOut">
               <a:rPr lang="en-US" smtClean="0"/>
-              <a:t>6/19/2017</a:t>
+              <a:t>6/20/2017</a:t>
             </a:fld>
             <a:endParaRPr lang="en-US" dirty="0"/>
           </a:p>
@@ -6217,7 +6217,7 @@
           <a:p>
             <a:fld id="{9796027F-7875-4030-9381-8BD8C4F21935}" type="datetimeFigureOut">
               <a:rPr lang="en-US" smtClean="0"/>
-              <a:t>6/19/2017</a:t>
+              <a:t>6/20/2017</a:t>
             </a:fld>
             <a:endParaRPr lang="en-US"/>
           </a:p>
@@ -6504,7 +6504,7 @@
           <a:p>
             <a:fld id="{9796027F-7875-4030-9381-8BD8C4F21935}" type="datetimeFigureOut">
               <a:rPr lang="en-US" smtClean="0"/>
-              <a:t>6/19/2017</a:t>
+              <a:t>6/20/2017</a:t>
             </a:fld>
             <a:endParaRPr lang="en-US"/>
           </a:p>
@@ -6943,7 +6943,7 @@
           <a:p>
             <a:fld id="{9796027F-7875-4030-9381-8BD8C4F21935}" type="datetimeFigureOut">
               <a:rPr lang="en-US" smtClean="0"/>
-              <a:t>6/19/2017</a:t>
+              <a:t>6/20/2017</a:t>
             </a:fld>
             <a:endParaRPr lang="en-US"/>
           </a:p>
@@ -7056,7 +7056,7 @@
           <a:p>
             <a:fld id="{4509A250-FF31-4206-8172-F9D3106AACB1}" type="datetimeFigureOut">
               <a:rPr lang="en-US" smtClean="0"/>
-              <a:t>6/19/2017</a:t>
+              <a:t>6/20/2017</a:t>
             </a:fld>
             <a:endParaRPr lang="en-US" dirty="0"/>
           </a:p>
@@ -7146,7 +7146,7 @@
           <a:p>
             <a:fld id="{4509A250-FF31-4206-8172-F9D3106AACB1}" type="datetimeFigureOut">
               <a:rPr lang="en-US" smtClean="0"/>
-              <a:t>6/19/2017</a:t>
+              <a:t>6/20/2017</a:t>
             </a:fld>
             <a:endParaRPr lang="en-US" dirty="0"/>
           </a:p>
@@ -7420,7 +7420,7 @@
           <a:p>
             <a:fld id="{4509A250-FF31-4206-8172-F9D3106AACB1}" type="datetimeFigureOut">
               <a:rPr lang="en-US" smtClean="0"/>
-              <a:t>6/19/2017</a:t>
+              <a:t>6/20/2017</a:t>
             </a:fld>
             <a:endParaRPr lang="en-US" dirty="0"/>
           </a:p>
@@ -7690,7 +7690,7 @@
           <a:p>
             <a:fld id="{4509A250-FF31-4206-8172-F9D3106AACB1}" type="datetimeFigureOut">
               <a:rPr lang="en-US" smtClean="0"/>
-              <a:t>6/19/2017</a:t>
+              <a:t>6/20/2017</a:t>
             </a:fld>
             <a:endParaRPr lang="en-US" dirty="0"/>
           </a:p>
@@ -8130,7 +8130,7 @@
           <a:p>
             <a:fld id="{4AAD347D-5ACD-4C99-B74B-A9C85AD731AF}" type="datetimeFigureOut">
               <a:rPr lang="en-US" smtClean="0"/>
-              <a:t>6/19/2017</a:t>
+              <a:t>6/20/2017</a:t>
             </a:fld>
             <a:endParaRPr lang="en-US"/>
           </a:p>
@@ -9817,10 +9817,6 @@
               <a:rPr lang="en-US" dirty="0" smtClean="0"/>
               <a:t>Store</a:t>
             </a:r>
-            <a:r>
-              <a:rPr lang="en-US" dirty="0" smtClean="0"/>
-              <a:t/>
-            </a:r>
             <a:br>
               <a:rPr lang="en-US" dirty="0" smtClean="0"/>
             </a:br>
@@ -9852,14 +9848,12 @@
               <a:rPr lang="en-US" dirty="0" smtClean="0"/>
               <a:t>All the application specific data is stored in application store.</a:t>
             </a:r>
-            <a:endParaRPr lang="en-US" dirty="0" smtClean="0"/>
           </a:p>
           <a:p>
             <a:r>
               <a:rPr lang="en-US" dirty="0" smtClean="0"/>
               <a:t>Like a traditional database, it can be thought of as a single source of truth or a database.</a:t>
             </a:r>
-            <a:endParaRPr lang="en-US" dirty="0" smtClean="0"/>
           </a:p>
         </p:txBody>
       </p:sp>
@@ -10344,9 +10338,16 @@
             <p:ph idx="1"/>
           </p:nvPr>
         </p:nvSpPr>
-        <p:spPr/>
-        <p:txBody>
-          <a:bodyPr/>
+        <p:spPr>
+          <a:xfrm>
+            <a:off x="744083" y="1326297"/>
+            <a:ext cx="8946541" cy="4195481"/>
+          </a:xfrm>
+        </p:spPr>
+        <p:txBody>
+          <a:bodyPr>
+            <a:normAutofit lnSpcReduction="10000"/>
+          </a:bodyPr>
           <a:lstStyle/>
           <a:p>
             <a:r>
@@ -10457,6 +10458,43 @@
             <a:r>
               <a:rPr lang="en-US" dirty="0" smtClean="0"/>
               <a:t>  </a:t>
+            </a:r>
+          </a:p>
+          <a:p>
+            <a:r>
+              <a:rPr lang="en-US" dirty="0">
+                <a:hlinkClick r:id="rId10"/>
+              </a:rPr>
+              <a:t>https://</a:t>
+            </a:r>
+            <a:r>
+              <a:rPr lang="en-US" dirty="0" smtClean="0">
+                <a:hlinkClick r:id="rId10"/>
+              </a:rPr>
+              <a:t>egghead.io/lessons/angular-2-ngrx-store-in-10-minutes</a:t>
+            </a:r>
+            <a:r>
+              <a:rPr lang="en-US" dirty="0" smtClean="0"/>
+              <a:t> </a:t>
+            </a:r>
+            <a:endParaRPr lang="en-US" dirty="0" smtClean="0"/>
+          </a:p>
+          <a:p>
+            <a:r>
+              <a:rPr lang="en-US" dirty="0">
+                <a:hlinkClick r:id="rId11"/>
+              </a:rPr>
+              <a:t>https://</a:t>
+            </a:r>
+            <a:r>
+              <a:rPr lang="en-US" dirty="0" smtClean="0">
+                <a:hlinkClick r:id="rId11"/>
+              </a:rPr>
+              <a:t>egghead.io/lessons/rxjs-what-is-rxjs</a:t>
+            </a:r>
+            <a:r>
+              <a:rPr lang="en-US" dirty="0" smtClean="0"/>
+              <a:t> </a:t>
             </a:r>
             <a:endParaRPr lang="en-US" dirty="0"/>
           </a:p>

--- a/slidesAndImages/Introduction.pptx
+++ b/slidesAndImages/Introduction.pptx
@@ -131,7 +131,7 @@
   </p:defaultTextStyle>
   <p:extLst>
     <p:ext uri="{EFAFB233-063F-42B5-8137-9DF3F51BA10A}">
-      <p15:sldGuideLst xmlns:p15="http://schemas.microsoft.com/office/powerpoint/2012/main" xmlns=""/>
+      <p15:sldGuideLst xmlns="" xmlns:p15="http://schemas.microsoft.com/office/powerpoint/2012/main"/>
     </p:ext>
   </p:extLst>
 </p:presentation>
@@ -219,7 +219,7 @@
           <a:p>
             <a:fld id="{2BCAFC7A-71DD-4C2C-B63D-60FDC7DD5449}" type="datetimeFigureOut">
               <a:rPr lang="en-US" smtClean="0"/>
-              <a:t>6/20/2017</a:t>
+              <a:t>6/22/2017</a:t>
             </a:fld>
             <a:endParaRPr lang="en-US"/>
           </a:p>
@@ -384,7 +384,7 @@
           <a:p>
             <a:fld id="{D85ECAFD-F005-4163-B10D-85806DC43F93}" type="datetimeFigureOut">
               <a:rPr lang="en-US" smtClean="0"/>
-              <a:t>6/20/2017</a:t>
+              <a:t>6/22/2017</a:t>
             </a:fld>
             <a:endParaRPr lang="en-US"/>
           </a:p>
@@ -2404,7 +2404,7 @@
           <a:p>
             <a:fld id="{4AAD347D-5ACD-4C99-B74B-A9C85AD731AF}" type="datetimeFigureOut">
               <a:rPr lang="en-US" smtClean="0"/>
-              <a:t>6/20/2017</a:t>
+              <a:t>6/22/2017</a:t>
             </a:fld>
             <a:endParaRPr lang="en-US"/>
           </a:p>
@@ -2674,7 +2674,7 @@
           <a:p>
             <a:fld id="{4509A250-FF31-4206-8172-F9D3106AACB1}" type="datetimeFigureOut">
               <a:rPr lang="en-US" smtClean="0"/>
-              <a:t>6/20/2017</a:t>
+              <a:t>6/22/2017</a:t>
             </a:fld>
             <a:endParaRPr lang="en-US" dirty="0"/>
           </a:p>
@@ -2796,7 +2796,7 @@
           <a:p>
             <a:fld id="{4509A250-FF31-4206-8172-F9D3106AACB1}" type="datetimeFigureOut">
               <a:rPr lang="en-US" smtClean="0"/>
-              <a:t>6/20/2017</a:t>
+              <a:t>6/22/2017</a:t>
             </a:fld>
             <a:endParaRPr lang="en-US" dirty="0"/>
           </a:p>
@@ -2985,7 +2985,7 @@
           <a:p>
             <a:fld id="{4509A250-FF31-4206-8172-F9D3106AACB1}" type="datetimeFigureOut">
               <a:rPr lang="en-US" smtClean="0"/>
-              <a:t>6/20/2017</a:t>
+              <a:t>6/22/2017</a:t>
             </a:fld>
             <a:endParaRPr lang="en-US" dirty="0"/>
           </a:p>
@@ -3436,7 +3436,7 @@
           <a:p>
             <a:fld id="{4509A250-FF31-4206-8172-F9D3106AACB1}" type="datetimeFigureOut">
               <a:rPr lang="en-US" smtClean="0"/>
-              <a:t>6/20/2017</a:t>
+              <a:t>6/22/2017</a:t>
             </a:fld>
             <a:endParaRPr lang="en-US" dirty="0"/>
           </a:p>
@@ -3558,7 +3558,7 @@
           <a:p>
             <a:fld id="{4509A250-FF31-4206-8172-F9D3106AACB1}" type="datetimeFigureOut">
               <a:rPr lang="en-US" smtClean="0"/>
-              <a:t>6/20/2017</a:t>
+              <a:t>6/22/2017</a:t>
             </a:fld>
             <a:endParaRPr lang="en-US" dirty="0"/>
           </a:p>
@@ -3853,7 +3853,7 @@
           <a:p>
             <a:fld id="{4509A250-FF31-4206-8172-F9D3106AACB1}" type="datetimeFigureOut">
               <a:rPr lang="en-US" smtClean="0"/>
-              <a:t>6/20/2017</a:t>
+              <a:t>6/22/2017</a:t>
             </a:fld>
             <a:endParaRPr lang="en-US" dirty="0"/>
           </a:p>
@@ -4615,7 +4615,7 @@
           <a:p>
             <a:fld id="{4509A250-FF31-4206-8172-F9D3106AACB1}" type="datetimeFigureOut">
               <a:rPr lang="en-US" smtClean="0"/>
-              <a:t>6/20/2017</a:t>
+              <a:t>6/22/2017</a:t>
             </a:fld>
             <a:endParaRPr lang="en-US" dirty="0"/>
           </a:p>
@@ -5470,7 +5470,7 @@
           <a:p>
             <a:fld id="{4509A250-FF31-4206-8172-F9D3106AACB1}" type="datetimeFigureOut">
               <a:rPr lang="en-US" smtClean="0"/>
-              <a:t>6/20/2017</a:t>
+              <a:t>6/22/2017</a:t>
             </a:fld>
             <a:endParaRPr lang="en-US" dirty="0"/>
           </a:p>
@@ -5635,7 +5635,7 @@
           <a:p>
             <a:fld id="{4509A250-FF31-4206-8172-F9D3106AACB1}" type="datetimeFigureOut">
               <a:rPr lang="en-US" smtClean="0"/>
-              <a:t>6/20/2017</a:t>
+              <a:t>6/22/2017</a:t>
             </a:fld>
             <a:endParaRPr lang="en-US" dirty="0"/>
           </a:p>
@@ -5810,7 +5810,7 @@
           <a:p>
             <a:fld id="{4509A250-FF31-4206-8172-F9D3106AACB1}" type="datetimeFigureOut">
               <a:rPr lang="en-US" smtClean="0"/>
-              <a:t>6/20/2017</a:t>
+              <a:t>6/22/2017</a:t>
             </a:fld>
             <a:endParaRPr lang="en-US" dirty="0"/>
           </a:p>
@@ -5975,7 +5975,7 @@
           <a:p>
             <a:fld id="{4509A250-FF31-4206-8172-F9D3106AACB1}" type="datetimeFigureOut">
               <a:rPr lang="en-US" smtClean="0"/>
-              <a:t>6/20/2017</a:t>
+              <a:t>6/22/2017</a:t>
             </a:fld>
             <a:endParaRPr lang="en-US" dirty="0"/>
           </a:p>
@@ -6217,7 +6217,7 @@
           <a:p>
             <a:fld id="{9796027F-7875-4030-9381-8BD8C4F21935}" type="datetimeFigureOut">
               <a:rPr lang="en-US" smtClean="0"/>
-              <a:t>6/20/2017</a:t>
+              <a:t>6/22/2017</a:t>
             </a:fld>
             <a:endParaRPr lang="en-US"/>
           </a:p>
@@ -6504,7 +6504,7 @@
           <a:p>
             <a:fld id="{9796027F-7875-4030-9381-8BD8C4F21935}" type="datetimeFigureOut">
               <a:rPr lang="en-US" smtClean="0"/>
-              <a:t>6/20/2017</a:t>
+              <a:t>6/22/2017</a:t>
             </a:fld>
             <a:endParaRPr lang="en-US"/>
           </a:p>
@@ -6943,7 +6943,7 @@
           <a:p>
             <a:fld id="{9796027F-7875-4030-9381-8BD8C4F21935}" type="datetimeFigureOut">
               <a:rPr lang="en-US" smtClean="0"/>
-              <a:t>6/20/2017</a:t>
+              <a:t>6/22/2017</a:t>
             </a:fld>
             <a:endParaRPr lang="en-US"/>
           </a:p>
@@ -7056,7 +7056,7 @@
           <a:p>
             <a:fld id="{4509A250-FF31-4206-8172-F9D3106AACB1}" type="datetimeFigureOut">
               <a:rPr lang="en-US" smtClean="0"/>
-              <a:t>6/20/2017</a:t>
+              <a:t>6/22/2017</a:t>
             </a:fld>
             <a:endParaRPr lang="en-US" dirty="0"/>
           </a:p>
@@ -7146,7 +7146,7 @@
           <a:p>
             <a:fld id="{4509A250-FF31-4206-8172-F9D3106AACB1}" type="datetimeFigureOut">
               <a:rPr lang="en-US" smtClean="0"/>
-              <a:t>6/20/2017</a:t>
+              <a:t>6/22/2017</a:t>
             </a:fld>
             <a:endParaRPr lang="en-US" dirty="0"/>
           </a:p>
@@ -7420,7 +7420,7 @@
           <a:p>
             <a:fld id="{4509A250-FF31-4206-8172-F9D3106AACB1}" type="datetimeFigureOut">
               <a:rPr lang="en-US" smtClean="0"/>
-              <a:t>6/20/2017</a:t>
+              <a:t>6/22/2017</a:t>
             </a:fld>
             <a:endParaRPr lang="en-US" dirty="0"/>
           </a:p>
@@ -7690,7 +7690,7 @@
           <a:p>
             <a:fld id="{4509A250-FF31-4206-8172-F9D3106AACB1}" type="datetimeFigureOut">
               <a:rPr lang="en-US" smtClean="0"/>
-              <a:t>6/20/2017</a:t>
+              <a:t>6/22/2017</a:t>
             </a:fld>
             <a:endParaRPr lang="en-US" dirty="0"/>
           </a:p>
@@ -8130,7 +8130,7 @@
           <a:p>
             <a:fld id="{4AAD347D-5ACD-4C99-B74B-A9C85AD731AF}" type="datetimeFigureOut">
               <a:rPr lang="en-US" smtClean="0"/>
-              <a:t>6/20/2017</a:t>
+              <a:t>6/22/2017</a:t>
             </a:fld>
             <a:endParaRPr lang="en-US"/>
           </a:p>
@@ -10321,8 +10321,8 @@
           <a:lstStyle/>
           <a:p>
             <a:r>
-              <a:rPr lang="en-US" dirty="0" smtClean="0"/>
-              <a:t>Reference material</a:t>
+              <a:rPr lang="en-US" smtClean="0"/>
+              <a:t>Reading list</a:t>
             </a:r>
             <a:endParaRPr lang="en-US" dirty="0"/>
           </a:p>
@@ -10477,7 +10477,6 @@
               <a:rPr lang="en-US" dirty="0" smtClean="0"/>
               <a:t> </a:t>
             </a:r>
-            <a:endParaRPr lang="en-US" dirty="0" smtClean="0"/>
           </a:p>
           <a:p>
             <a:r>
@@ -11866,7 +11865,7 @@
   <a:extraClrSchemeLst/>
   <a:extLst>
     <a:ext uri="{05A4C25C-085E-4340-85A3-A5531E510DB2}">
-      <thm15:themeFamily xmlns:thm15="http://schemas.microsoft.com/office/thememl/2012/main" xmlns="" name="Ion" id="{B8441ADB-2E43-4AF7-B97A-BD870242C6A8}" vid="{292E63A9-BB86-4E3D-B92A-7223C6510D2E}"/>
+      <thm15:themeFamily xmlns="" xmlns:thm15="http://schemas.microsoft.com/office/thememl/2012/main" name="Ion" id="{B8441ADB-2E43-4AF7-B97A-BD870242C6A8}" vid="{292E63A9-BB86-4E3D-B92A-7223C6510D2E}"/>
     </a:ext>
   </a:extLst>
 </a:theme>
@@ -12127,7 +12126,7 @@
   <a:extraClrSchemeLst/>
   <a:extLst>
     <a:ext uri="{05A4C25C-085E-4340-85A3-A5531E510DB2}">
-      <thm15:themeFamily xmlns:thm15="http://schemas.microsoft.com/office/thememl/2012/main" xmlns="" name="Office Theme" id="{62F939B6-93AF-4DB8-9C6B-D6C7DFDC589F}" vid="{4A3C46E8-61CC-4603-A589-7422A47A8E4A}"/>
+      <thm15:themeFamily xmlns="" xmlns:thm15="http://schemas.microsoft.com/office/thememl/2012/main" name="Office Theme" id="{62F939B6-93AF-4DB8-9C6B-D6C7DFDC589F}" vid="{4A3C46E8-61CC-4603-A589-7422A47A8E4A}"/>
     </a:ext>
   </a:extLst>
 </a:theme>
@@ -12388,7 +12387,7 @@
   <a:extraClrSchemeLst/>
   <a:extLst>
     <a:ext uri="{05A4C25C-085E-4340-85A3-A5531E510DB2}">
-      <thm15:themeFamily xmlns:thm15="http://schemas.microsoft.com/office/thememl/2012/main" xmlns="" name="Office Theme" id="{62F939B6-93AF-4DB8-9C6B-D6C7DFDC589F}" vid="{4A3C46E8-61CC-4603-A589-7422A47A8E4A}"/>
+      <thm15:themeFamily xmlns="" xmlns:thm15="http://schemas.microsoft.com/office/thememl/2012/main" name="Office Theme" id="{62F939B6-93AF-4DB8-9C6B-D6C7DFDC589F}" vid="{4A3C46E8-61CC-4603-A589-7422A47A8E4A}"/>
     </a:ext>
   </a:extLst>
 </a:theme>
